--- a/SubRoutine Diagrams/Time Tracker.pptx
+++ b/SubRoutine Diagrams/Time Tracker.pptx
@@ -4384,34 +4384,6 @@
       </p:sp>
       <p:sp>
         <p:nvSpPr>
-          <p:cNvPr id="3" name="Content Placeholder 2">
-            <a:extLst>
-              <a:ext uri="{FF2B5EF4-FFF2-40B4-BE49-F238E27FC236}">
-                <a16:creationId xmlns:a16="http://schemas.microsoft.com/office/drawing/2014/main" id="{94D75933-A6C5-4EE8-8FE7-81F1851DE42A}"/>
-              </a:ext>
-            </a:extLst>
-          </p:cNvPr>
-          <p:cNvSpPr>
-            <a:spLocks noGrp="1"/>
-          </p:cNvSpPr>
-          <p:nvPr>
-            <p:ph idx="1"/>
-          </p:nvPr>
-        </p:nvSpPr>
-        <p:spPr/>
-        <p:txBody>
-          <a:bodyPr/>
-          <a:lstStyle/>
-          <a:p>
-            <a:pPr marL="0" indent="0">
-              <a:buNone/>
-            </a:pPr>
-            <a:endParaRPr lang="en-IN" dirty="0"/>
-          </a:p>
-        </p:txBody>
-      </p:sp>
-      <p:sp>
-        <p:nvSpPr>
           <p:cNvPr id="4" name="Oval 3">
             <a:extLst>
               <a:ext uri="{FF2B5EF4-FFF2-40B4-BE49-F238E27FC236}">
@@ -5159,34 +5131,6 @@
       </p:sp>
       <p:sp>
         <p:nvSpPr>
-          <p:cNvPr id="3" name="Content Placeholder 2">
-            <a:extLst>
-              <a:ext uri="{FF2B5EF4-FFF2-40B4-BE49-F238E27FC236}">
-                <a16:creationId xmlns:a16="http://schemas.microsoft.com/office/drawing/2014/main" id="{1A8A1A7B-06BD-415F-AC8D-DB945B0035AA}"/>
-              </a:ext>
-            </a:extLst>
-          </p:cNvPr>
-          <p:cNvSpPr>
-            <a:spLocks noGrp="1"/>
-          </p:cNvSpPr>
-          <p:nvPr>
-            <p:ph idx="1"/>
-          </p:nvPr>
-        </p:nvSpPr>
-        <p:spPr/>
-        <p:txBody>
-          <a:bodyPr/>
-          <a:lstStyle/>
-          <a:p>
-            <a:pPr marL="0" indent="0">
-              <a:buNone/>
-            </a:pPr>
-            <a:endParaRPr lang="en-IN" dirty="0"/>
-          </a:p>
-        </p:txBody>
-      </p:sp>
-      <p:sp>
-        <p:nvSpPr>
           <p:cNvPr id="4" name="Oval 3">
             <a:extLst>
               <a:ext uri="{FF2B5EF4-FFF2-40B4-BE49-F238E27FC236}">
@@ -5993,39 +5937,6 @@
               <a:rPr lang="en-IN" dirty="0"/>
               <a:t>S6: Activity Report</a:t>
             </a:r>
-          </a:p>
-        </p:txBody>
-      </p:sp>
-      <p:sp>
-        <p:nvSpPr>
-          <p:cNvPr id="3" name="Content Placeholder 2">
-            <a:extLst>
-              <a:ext uri="{FF2B5EF4-FFF2-40B4-BE49-F238E27FC236}">
-                <a16:creationId xmlns:a16="http://schemas.microsoft.com/office/drawing/2014/main" id="{7FE7A0F9-D607-4CB5-96CB-B71112E75F3B}"/>
-              </a:ext>
-            </a:extLst>
-          </p:cNvPr>
-          <p:cNvSpPr>
-            <a:spLocks noGrp="1"/>
-          </p:cNvSpPr>
-          <p:nvPr>
-            <p:ph idx="1"/>
-          </p:nvPr>
-        </p:nvSpPr>
-        <p:spPr>
-          <a:xfrm>
-            <a:off x="1188641" y="1904999"/>
-            <a:ext cx="9134391" cy="4114801"/>
-          </a:xfrm>
-        </p:spPr>
-        <p:txBody>
-          <a:bodyPr/>
-          <a:lstStyle/>
-          <a:p>
-            <a:pPr marL="0" indent="0">
-              <a:buNone/>
-            </a:pPr>
-            <a:endParaRPr lang="en-IN" dirty="0"/>
           </a:p>
         </p:txBody>
       </p:sp>

--- a/SubRoutine Diagrams/Time Tracker.pptx
+++ b/SubRoutine Diagrams/Time Tracker.pptx
@@ -4880,7 +4880,7 @@
             </a:pPr>
             <a:r>
               <a:rPr lang="en-IN" dirty="0"/>
-              <a:t>-- Dropdown list for activity options created by HLU (includes ‘Break’ and ‘Other: Specify’) (list contains projects given by HLU)</a:t>
+              <a:t>- Dropdown list for activity options created by HLU (includes ‘Break’ and ‘Other: Specify’) (list contains projects given by HLU)</a:t>
             </a:r>
           </a:p>
           <a:p>
@@ -4889,7 +4889,7 @@
             </a:pPr>
             <a:r>
               <a:rPr lang="en-IN" dirty="0"/>
-              <a:t>-- Break is customizable, reason for break to be specified</a:t>
+              <a:t>- Break is customizable, reason for break to be specified</a:t>
             </a:r>
           </a:p>
         </p:txBody>

--- a/SubRoutine Diagrams/Time Tracker.pptx
+++ b/SubRoutine Diagrams/Time Tracker.pptx
@@ -13,11 +13,11 @@
   <p:sldIdLst>
     <p:sldId id="265" r:id="rId2"/>
     <p:sldId id="321" r:id="rId3"/>
-    <p:sldId id="262" r:id="rId4"/>
-    <p:sldId id="264" r:id="rId5"/>
-    <p:sldId id="263" r:id="rId6"/>
-    <p:sldId id="322" r:id="rId7"/>
-    <p:sldId id="268" r:id="rId8"/>
+    <p:sldId id="264" r:id="rId4"/>
+    <p:sldId id="263" r:id="rId5"/>
+    <p:sldId id="322" r:id="rId6"/>
+    <p:sldId id="268" r:id="rId7"/>
+    <p:sldId id="262" r:id="rId8"/>
   </p:sldIdLst>
   <p:sldSz cx="12188825" cy="6858000"/>
   <p:notesSz cx="6858000" cy="9144000"/>
@@ -4108,7 +4108,7 @@
         </p:blipFill>
         <p:spPr>
           <a:xfrm>
-            <a:off x="8254652" y="2060848"/>
+            <a:off x="8268241" y="2198018"/>
             <a:ext cx="2316681" cy="3542083"/>
           </a:xfrm>
           <a:prstGeom prst="rect">
@@ -4130,7 +4130,7 @@
         </p:nvSpPr>
         <p:spPr>
           <a:xfrm>
-            <a:off x="4294212" y="2852936"/>
+            <a:off x="4306431" y="2744924"/>
             <a:ext cx="2664296" cy="2448272"/>
           </a:xfrm>
           <a:prstGeom prst="ellipse">
@@ -4245,8 +4245,8 @@
         </p:nvCxnSpPr>
         <p:spPr>
           <a:xfrm flipH="1">
-            <a:off x="6958508" y="3831890"/>
-            <a:ext cx="1296144" cy="245182"/>
+            <a:off x="6970727" y="3969060"/>
+            <a:ext cx="1297514" cy="0"/>
           </a:xfrm>
           <a:prstGeom prst="straightConnector1">
             <a:avLst/>
@@ -4286,9 +4286,9 @@
           <p:nvPr/>
         </p:nvCxnSpPr>
         <p:spPr>
-          <a:xfrm flipH="1" flipV="1">
+          <a:xfrm flipH="1">
             <a:off x="3214092" y="3969060"/>
-            <a:ext cx="1080120" cy="108012"/>
+            <a:ext cx="1092339" cy="0"/>
           </a:xfrm>
           <a:prstGeom prst="straightConnector1">
             <a:avLst/>
@@ -4359,7 +4359,7 @@
           <p:cNvPr id="2" name="Title 1">
             <a:extLst>
               <a:ext uri="{FF2B5EF4-FFF2-40B4-BE49-F238E27FC236}">
-                <a16:creationId xmlns:a16="http://schemas.microsoft.com/office/drawing/2014/main" id="{F5C783ED-2C7B-4328-AA1C-7996F82BFC61}"/>
+                <a16:creationId xmlns:a16="http://schemas.microsoft.com/office/drawing/2014/main" id="{5D0AF7D6-9670-4E93-865D-1DFB96D9D0CA}"/>
               </a:ext>
             </a:extLst>
           </p:cNvPr>
@@ -4377,17 +4377,17 @@
           <a:p>
             <a:r>
               <a:rPr lang="en-IN" dirty="0"/>
-              <a:t>S2: Attendance</a:t>
-            </a:r>
-          </a:p>
-        </p:txBody>
-      </p:sp>
-      <p:sp>
-        <p:nvSpPr>
-          <p:cNvPr id="3" name="Content Placeholder 2">
+              <a:t>S2: Dropdown List with Synced Features</a:t>
+            </a:r>
+          </a:p>
+        </p:txBody>
+      </p:sp>
+      <p:sp>
+        <p:nvSpPr>
+          <p:cNvPr id="7" name="Content Placeholder 6">
             <a:extLst>
               <a:ext uri="{FF2B5EF4-FFF2-40B4-BE49-F238E27FC236}">
-                <a16:creationId xmlns:a16="http://schemas.microsoft.com/office/drawing/2014/main" id="{94D75933-A6C5-4EE8-8FE7-81F1851DE42A}"/>
+                <a16:creationId xmlns:a16="http://schemas.microsoft.com/office/drawing/2014/main" id="{F5AB2A47-5A17-4E16-9E80-114F85739037}"/>
               </a:ext>
             </a:extLst>
           </p:cNvPr>
@@ -4398,86 +4398,10 @@
             <p:ph idx="1"/>
           </p:nvPr>
         </p:nvSpPr>
-        <p:spPr/>
-        <p:txBody>
-          <a:bodyPr/>
-          <a:lstStyle/>
-          <a:p>
-            <a:pPr marL="0" indent="0">
-              <a:buNone/>
-            </a:pPr>
-            <a:endParaRPr lang="en-IN" dirty="0"/>
-          </a:p>
-        </p:txBody>
-      </p:sp>
-      <p:sp>
-        <p:nvSpPr>
-          <p:cNvPr id="4" name="Oval 3">
-            <a:extLst>
-              <a:ext uri="{FF2B5EF4-FFF2-40B4-BE49-F238E27FC236}">
-                <a16:creationId xmlns:a16="http://schemas.microsoft.com/office/drawing/2014/main" id="{DF19108F-9595-4B2F-B805-5DEDE89C79D9}"/>
-              </a:ext>
-            </a:extLst>
-          </p:cNvPr>
-          <p:cNvSpPr/>
-          <p:nvPr/>
-        </p:nvSpPr>
         <p:spPr>
           <a:xfrm>
-            <a:off x="3683274" y="2659062"/>
-            <a:ext cx="2662607" cy="1570938"/>
-          </a:xfrm>
-          <a:prstGeom prst="ellipse">
-            <a:avLst/>
-          </a:prstGeom>
-          <a:solidFill>
-            <a:schemeClr val="accent1"/>
-          </a:solidFill>
-        </p:spPr>
-        <p:style>
-          <a:lnRef idx="2">
-            <a:schemeClr val="accent5">
-              <a:shade val="50000"/>
-            </a:schemeClr>
-          </a:lnRef>
-          <a:fillRef idx="1">
-            <a:schemeClr val="accent5"/>
-          </a:fillRef>
-          <a:effectRef idx="0">
-            <a:schemeClr val="accent5"/>
-          </a:effectRef>
-          <a:fontRef idx="minor">
-            <a:schemeClr val="lt1"/>
-          </a:fontRef>
-        </p:style>
-        <p:txBody>
-          <a:bodyPr rtlCol="0" anchor="ctr"/>
-          <a:lstStyle/>
-          <a:p>
-            <a:pPr algn="ctr"/>
-            <a:r>
-              <a:rPr lang="en-IN" sz="1799" dirty="0"/>
-              <a:t>Marks Attendance</a:t>
-            </a:r>
-          </a:p>
-        </p:txBody>
-      </p:sp>
-      <p:sp>
-        <p:nvSpPr>
-          <p:cNvPr id="5" name="Oval 4">
-            <a:extLst>
-              <a:ext uri="{FF2B5EF4-FFF2-40B4-BE49-F238E27FC236}">
-                <a16:creationId xmlns:a16="http://schemas.microsoft.com/office/drawing/2014/main" id="{9F758EE9-0167-4148-8A96-4A6CD45C34C7}"/>
-              </a:ext>
-            </a:extLst>
-          </p:cNvPr>
-          <p:cNvSpPr/>
-          <p:nvPr/>
-        </p:nvSpPr>
-        <p:spPr>
-          <a:xfrm>
-            <a:off x="3683273" y="4589453"/>
-            <a:ext cx="2769112" cy="1260301"/>
+            <a:off x="4072656" y="1619424"/>
+            <a:ext cx="3024336" cy="1584176"/>
           </a:xfrm>
           <a:prstGeom prst="ellipse">
             <a:avLst/>
@@ -4500,30 +4424,27 @@
           </a:fontRef>
         </p:style>
         <p:txBody>
-          <a:bodyPr rtlCol="0" anchor="ctr"/>
+          <a:bodyPr rtlCol="0" anchor="ctr">
+            <a:normAutofit/>
+          </a:bodyPr>
           <a:lstStyle/>
           <a:p>
-            <a:pPr algn="ctr"/>
-            <a:r>
-              <a:rPr lang="en-IN" sz="1799" dirty="0"/>
-              <a:t>Apply for Leave</a:t>
-            </a:r>
-          </a:p>
-          <a:p>
-            <a:pPr algn="ctr"/>
-            <a:r>
-              <a:rPr lang="en-IN" sz="1799" dirty="0"/>
-              <a:t>-- Reason for Leave Request</a:t>
-            </a:r>
-          </a:p>
-        </p:txBody>
-      </p:sp>
-      <p:sp>
-        <p:nvSpPr>
-          <p:cNvPr id="6" name="Rectangle 5">
+            <a:pPr marL="0" indent="0" algn="ctr">
+              <a:buNone/>
+            </a:pPr>
+            <a:r>
+              <a:rPr lang="en-IN" dirty="0"/>
+              <a:t>Description of Activity during Shift</a:t>
+            </a:r>
+          </a:p>
+        </p:txBody>
+      </p:sp>
+      <p:sp>
+        <p:nvSpPr>
+          <p:cNvPr id="3" name="Rectangle 2">
             <a:extLst>
               <a:ext uri="{FF2B5EF4-FFF2-40B4-BE49-F238E27FC236}">
-                <a16:creationId xmlns:a16="http://schemas.microsoft.com/office/drawing/2014/main" id="{4619D806-D697-4699-9EEE-E721DF72A41E}"/>
+                <a16:creationId xmlns:a16="http://schemas.microsoft.com/office/drawing/2014/main" id="{AF984955-F92C-476C-BCB0-F4D8847304BA}"/>
               </a:ext>
             </a:extLst>
           </p:cNvPr>
@@ -4532,8 +4453,8 @@
         </p:nvSpPr>
         <p:spPr>
           <a:xfrm>
-            <a:off x="1295802" y="2814381"/>
-            <a:ext cx="1757320" cy="2769110"/>
+            <a:off x="765820" y="2564904"/>
+            <a:ext cx="1512168" cy="3240360"/>
           </a:xfrm>
           <a:prstGeom prst="rect">
             <a:avLst/>
@@ -4561,30 +4482,245 @@
           <a:p>
             <a:pPr algn="ctr"/>
             <a:r>
-              <a:rPr lang="en-IN" sz="1799" dirty="0"/>
-              <a:t>Button</a:t>
+              <a:rPr lang="en-IN" dirty="0"/>
+              <a:t>GUI with imported calendar with dates as buttons</a:t>
             </a:r>
           </a:p>
         </p:txBody>
       </p:sp>
       <p:cxnSp>
         <p:nvCxnSpPr>
-          <p:cNvPr id="8" name="Straight Arrow Connector 7">
+          <p:cNvPr id="5" name="Straight Arrow Connector 4">
             <a:extLst>
               <a:ext uri="{FF2B5EF4-FFF2-40B4-BE49-F238E27FC236}">
-                <a16:creationId xmlns:a16="http://schemas.microsoft.com/office/drawing/2014/main" id="{49ED6176-5850-4397-BB05-B832CF1B59BE}"/>
+                <a16:creationId xmlns:a16="http://schemas.microsoft.com/office/drawing/2014/main" id="{A8A9AFD1-7D2C-496B-9665-07D458493B36}"/>
               </a:ext>
             </a:extLst>
           </p:cNvPr>
           <p:cNvCxnSpPr>
+            <a:cxnSpLocks/>
+            <a:stCxn id="3" idx="3"/>
+            <a:endCxn id="7" idx="2"/>
+          </p:cNvCxnSpPr>
+          <p:nvPr/>
+        </p:nvCxnSpPr>
+        <p:spPr>
+          <a:xfrm flipV="1">
+            <a:off x="2277988" y="2411512"/>
+            <a:ext cx="1794668" cy="1773572"/>
+          </a:xfrm>
+          <a:prstGeom prst="straightConnector1">
+            <a:avLst/>
+          </a:prstGeom>
+          <a:ln>
+            <a:tailEnd type="triangle"/>
+          </a:ln>
+        </p:spPr>
+        <p:style>
+          <a:lnRef idx="1">
+            <a:schemeClr val="accent1"/>
+          </a:lnRef>
+          <a:fillRef idx="0">
+            <a:schemeClr val="accent1"/>
+          </a:fillRef>
+          <a:effectRef idx="0">
+            <a:schemeClr val="accent1"/>
+          </a:effectRef>
+          <a:fontRef idx="minor">
+            <a:schemeClr val="tx1"/>
+          </a:fontRef>
+        </p:style>
+      </p:cxnSp>
+      <p:pic>
+        <p:nvPicPr>
+          <p:cNvPr id="6" name="Picture 5">
+            <a:extLst>
+              <a:ext uri="{FF2B5EF4-FFF2-40B4-BE49-F238E27FC236}">
+                <a16:creationId xmlns:a16="http://schemas.microsoft.com/office/drawing/2014/main" id="{7D516AE3-9B16-4193-B622-BC2098405976}"/>
+              </a:ext>
+            </a:extLst>
+          </p:cNvPr>
+          <p:cNvPicPr>
+            <a:picLocks noChangeAspect="1"/>
+          </p:cNvPicPr>
+          <p:nvPr/>
+        </p:nvPicPr>
+        <p:blipFill>
+          <a:blip r:embed="rId2"/>
+          <a:stretch>
+            <a:fillRect/>
+          </a:stretch>
+        </p:blipFill>
+        <p:spPr>
+          <a:xfrm>
+            <a:off x="8825184" y="2204864"/>
+            <a:ext cx="2316681" cy="3542083"/>
+          </a:xfrm>
+          <a:prstGeom prst="rect">
+            <a:avLst/>
+          </a:prstGeom>
+        </p:spPr>
+      </p:pic>
+      <p:cxnSp>
+        <p:nvCxnSpPr>
+          <p:cNvPr id="9" name="Straight Arrow Connector 8">
+            <a:extLst>
+              <a:ext uri="{FF2B5EF4-FFF2-40B4-BE49-F238E27FC236}">
+                <a16:creationId xmlns:a16="http://schemas.microsoft.com/office/drawing/2014/main" id="{C8FAD184-8D4F-427F-AC6D-1F614EA540C8}"/>
+              </a:ext>
+            </a:extLst>
+          </p:cNvPr>
+          <p:cNvCxnSpPr>
+            <a:cxnSpLocks/>
+            <a:stCxn id="7" idx="6"/>
+            <a:endCxn id="6" idx="1"/>
+          </p:cNvCxnSpPr>
+          <p:nvPr/>
+        </p:nvCxnSpPr>
+        <p:spPr>
+          <a:xfrm>
+            <a:off x="7096992" y="2411512"/>
+            <a:ext cx="1728192" cy="1564394"/>
+          </a:xfrm>
+          <a:prstGeom prst="straightConnector1">
+            <a:avLst/>
+          </a:prstGeom>
+          <a:ln>
+            <a:tailEnd type="triangle"/>
+          </a:ln>
+        </p:spPr>
+        <p:style>
+          <a:lnRef idx="1">
+            <a:schemeClr val="accent1"/>
+          </a:lnRef>
+          <a:fillRef idx="0">
+            <a:schemeClr val="accent1"/>
+          </a:fillRef>
+          <a:effectRef idx="0">
+            <a:schemeClr val="accent1"/>
+          </a:effectRef>
+          <a:fontRef idx="minor">
+            <a:schemeClr val="tx1"/>
+          </a:fontRef>
+        </p:style>
+      </p:cxnSp>
+      <p:sp>
+        <p:nvSpPr>
+          <p:cNvPr id="4" name="Oval 3">
+            <a:extLst>
+              <a:ext uri="{FF2B5EF4-FFF2-40B4-BE49-F238E27FC236}">
+                <a16:creationId xmlns:a16="http://schemas.microsoft.com/office/drawing/2014/main" id="{A9CC7B36-D941-4B3E-9BBA-346AB93B5FAB}"/>
+              </a:ext>
+            </a:extLst>
+          </p:cNvPr>
+          <p:cNvSpPr/>
+          <p:nvPr/>
+        </p:nvSpPr>
+        <p:spPr>
+          <a:xfrm>
+            <a:off x="3852284" y="3262039"/>
+            <a:ext cx="3513123" cy="1584176"/>
+          </a:xfrm>
+          <a:prstGeom prst="ellipse">
+            <a:avLst/>
+          </a:prstGeom>
+        </p:spPr>
+        <p:style>
+          <a:lnRef idx="2">
+            <a:schemeClr val="accent1">
+              <a:shade val="50000"/>
+            </a:schemeClr>
+          </a:lnRef>
+          <a:fillRef idx="1">
+            <a:schemeClr val="accent1"/>
+          </a:fillRef>
+          <a:effectRef idx="0">
+            <a:schemeClr val="accent1"/>
+          </a:effectRef>
+          <a:fontRef idx="minor">
+            <a:schemeClr val="lt1"/>
+          </a:fontRef>
+        </p:style>
+        <p:txBody>
+          <a:bodyPr rtlCol="0" anchor="ctr"/>
+          <a:lstStyle/>
+          <a:p>
+            <a:pPr algn="ctr"/>
+            <a:r>
+              <a:rPr lang="en-IN" sz="1400" dirty="0"/>
+              <a:t>Dropdown list for activity options created by HLU (includes ‘Break’ and ‘Other: Specify’) (list contains projects given by HLU)</a:t>
+            </a:r>
+          </a:p>
+        </p:txBody>
+      </p:sp>
+      <p:sp>
+        <p:nvSpPr>
+          <p:cNvPr id="8" name="Oval 7">
+            <a:extLst>
+              <a:ext uri="{FF2B5EF4-FFF2-40B4-BE49-F238E27FC236}">
+                <a16:creationId xmlns:a16="http://schemas.microsoft.com/office/drawing/2014/main" id="{E0F9C470-7D96-40D4-8562-EF261B663D8C}"/>
+              </a:ext>
+            </a:extLst>
+          </p:cNvPr>
+          <p:cNvSpPr/>
+          <p:nvPr/>
+        </p:nvSpPr>
+        <p:spPr>
+          <a:xfrm>
+            <a:off x="4256715" y="5157192"/>
+            <a:ext cx="2664296" cy="1498477"/>
+          </a:xfrm>
+          <a:prstGeom prst="ellipse">
+            <a:avLst/>
+          </a:prstGeom>
+        </p:spPr>
+        <p:style>
+          <a:lnRef idx="2">
+            <a:schemeClr val="accent1">
+              <a:shade val="50000"/>
+            </a:schemeClr>
+          </a:lnRef>
+          <a:fillRef idx="1">
+            <a:schemeClr val="accent1"/>
+          </a:fillRef>
+          <a:effectRef idx="0">
+            <a:schemeClr val="accent1"/>
+          </a:effectRef>
+          <a:fontRef idx="minor">
+            <a:schemeClr val="lt1"/>
+          </a:fontRef>
+        </p:style>
+        <p:txBody>
+          <a:bodyPr rtlCol="0" anchor="ctr"/>
+          <a:lstStyle/>
+          <a:p>
+            <a:pPr algn="ctr"/>
+            <a:r>
+              <a:rPr lang="en-IN" dirty="0"/>
+              <a:t>Program to specify activity if not part of the drop down list</a:t>
+            </a:r>
+          </a:p>
+        </p:txBody>
+      </p:sp>
+      <p:cxnSp>
+        <p:nvCxnSpPr>
+          <p:cNvPr id="13" name="Straight Arrow Connector 12">
+            <a:extLst>
+              <a:ext uri="{FF2B5EF4-FFF2-40B4-BE49-F238E27FC236}">
+                <a16:creationId xmlns:a16="http://schemas.microsoft.com/office/drawing/2014/main" id="{D05E0185-3E54-4D4D-91C3-DA62D1DB600A}"/>
+              </a:ext>
+            </a:extLst>
+          </p:cNvPr>
+          <p:cNvCxnSpPr>
+            <a:stCxn id="3" idx="3"/>
             <a:endCxn id="4" idx="2"/>
           </p:cNvCxnSpPr>
           <p:nvPr/>
         </p:nvCxnSpPr>
         <p:spPr>
-          <a:xfrm>
-            <a:off x="3053123" y="3444530"/>
-            <a:ext cx="630151" cy="1"/>
+          <a:xfrm flipV="1">
+            <a:off x="2277988" y="4054127"/>
+            <a:ext cx="1574296" cy="130957"/>
           </a:xfrm>
           <a:prstGeom prst="straightConnector1">
             <a:avLst/>
@@ -4610,109 +4746,23 @@
       </p:cxnSp>
       <p:cxnSp>
         <p:nvCxnSpPr>
-          <p:cNvPr id="10" name="Straight Arrow Connector 9">
+          <p:cNvPr id="15" name="Straight Arrow Connector 14">
             <a:extLst>
               <a:ext uri="{FF2B5EF4-FFF2-40B4-BE49-F238E27FC236}">
-                <a16:creationId xmlns:a16="http://schemas.microsoft.com/office/drawing/2014/main" id="{C0B9F1B8-2D8B-4D4F-BE5F-978848471B79}"/>
+                <a16:creationId xmlns:a16="http://schemas.microsoft.com/office/drawing/2014/main" id="{6BD0C2B0-2E9E-4BCF-B792-9DC28CB0247A}"/>
               </a:ext>
             </a:extLst>
           </p:cNvPr>
           <p:cNvCxnSpPr>
-            <a:cxnSpLocks/>
-            <a:stCxn id="6" idx="3"/>
+            <a:stCxn id="8" idx="0"/>
+            <a:endCxn id="4" idx="4"/>
           </p:cNvCxnSpPr>
           <p:nvPr/>
         </p:nvCxnSpPr>
         <p:spPr>
-          <a:xfrm>
-            <a:off x="3053122" y="4198936"/>
-            <a:ext cx="1180424" cy="514773"/>
-          </a:xfrm>
-          <a:prstGeom prst="straightConnector1">
-            <a:avLst/>
-          </a:prstGeom>
-          <a:ln>
-            <a:tailEnd type="triangle"/>
-          </a:ln>
-        </p:spPr>
-        <p:style>
-          <a:lnRef idx="1">
-            <a:schemeClr val="accent1"/>
-          </a:lnRef>
-          <a:fillRef idx="0">
-            <a:schemeClr val="accent1"/>
-          </a:fillRef>
-          <a:effectRef idx="0">
-            <a:schemeClr val="accent1"/>
-          </a:effectRef>
-          <a:fontRef idx="minor">
-            <a:schemeClr val="tx1"/>
-          </a:fontRef>
-        </p:style>
-      </p:cxnSp>
-      <p:sp>
-        <p:nvSpPr>
-          <p:cNvPr id="12" name="Cylinder 11">
-            <a:extLst>
-              <a:ext uri="{FF2B5EF4-FFF2-40B4-BE49-F238E27FC236}">
-                <a16:creationId xmlns:a16="http://schemas.microsoft.com/office/drawing/2014/main" id="{7B15FAD7-88C6-46DC-B5F6-C3DF358EFD1B}"/>
-              </a:ext>
-            </a:extLst>
-          </p:cNvPr>
-          <p:cNvSpPr/>
-          <p:nvPr/>
-        </p:nvSpPr>
-        <p:spPr>
-          <a:xfrm>
-            <a:off x="7703811" y="2268547"/>
-            <a:ext cx="2063010" cy="3314946"/>
-          </a:xfrm>
-          <a:prstGeom prst="can">
-            <a:avLst/>
-          </a:prstGeom>
-        </p:spPr>
-        <p:style>
-          <a:lnRef idx="3">
-            <a:schemeClr val="lt1"/>
-          </a:lnRef>
-          <a:fillRef idx="1">
-            <a:schemeClr val="accent6"/>
-          </a:fillRef>
-          <a:effectRef idx="1">
-            <a:schemeClr val="accent6"/>
-          </a:effectRef>
-          <a:fontRef idx="minor">
-            <a:schemeClr val="lt1"/>
-          </a:fontRef>
-        </p:style>
-        <p:txBody>
-          <a:bodyPr rtlCol="0" anchor="ctr"/>
-          <a:lstStyle/>
-          <a:p>
-            <a:pPr algn="ctr"/>
-            <a:r>
-              <a:rPr lang="en-IN" sz="1799" dirty="0"/>
-              <a:t>Timesheet DB</a:t>
-            </a:r>
-          </a:p>
-        </p:txBody>
-      </p:sp>
-      <p:cxnSp>
-        <p:nvCxnSpPr>
-          <p:cNvPr id="14" name="Straight Arrow Connector 13">
-            <a:extLst>
-              <a:ext uri="{FF2B5EF4-FFF2-40B4-BE49-F238E27FC236}">
-                <a16:creationId xmlns:a16="http://schemas.microsoft.com/office/drawing/2014/main" id="{45322476-4498-471E-AF07-375AA0AA4C9E}"/>
-              </a:ext>
-            </a:extLst>
-          </p:cNvPr>
-          <p:cNvCxnSpPr/>
-          <p:nvPr/>
-        </p:nvCxnSpPr>
-        <p:spPr>
-          <a:xfrm>
-            <a:off x="6345881" y="3429001"/>
-            <a:ext cx="1357929" cy="512551"/>
+          <a:xfrm flipV="1">
+            <a:off x="5588863" y="4846215"/>
+            <a:ext cx="19983" cy="310977"/>
           </a:xfrm>
           <a:prstGeom prst="straightConnector1">
             <a:avLst/>
@@ -4738,22 +4788,23 @@
       </p:cxnSp>
       <p:cxnSp>
         <p:nvCxnSpPr>
-          <p:cNvPr id="16" name="Straight Arrow Connector 15">
+          <p:cNvPr id="18" name="Straight Arrow Connector 17">
             <a:extLst>
               <a:ext uri="{FF2B5EF4-FFF2-40B4-BE49-F238E27FC236}">
-                <a16:creationId xmlns:a16="http://schemas.microsoft.com/office/drawing/2014/main" id="{1CE74652-4923-4A8A-A1F5-663FEB11920E}"/>
+                <a16:creationId xmlns:a16="http://schemas.microsoft.com/office/drawing/2014/main" id="{54A48F8D-23A8-4F8C-8181-0A443C948E2B}"/>
               </a:ext>
             </a:extLst>
           </p:cNvPr>
           <p:cNvCxnSpPr>
-            <a:cxnSpLocks/>
+            <a:stCxn id="8" idx="6"/>
+            <a:endCxn id="6" idx="1"/>
           </p:cNvCxnSpPr>
           <p:nvPr/>
         </p:nvCxnSpPr>
         <p:spPr>
           <a:xfrm flipV="1">
-            <a:off x="6452385" y="4589453"/>
-            <a:ext cx="1251425" cy="585774"/>
+            <a:off x="6921011" y="3975906"/>
+            <a:ext cx="1904173" cy="1930525"/>
           </a:xfrm>
           <a:prstGeom prst="straightConnector1">
             <a:avLst/>
@@ -4780,7 +4831,7 @@
     </p:spTree>
     <p:extLst>
       <p:ext uri="{BB962C8B-B14F-4D97-AF65-F5344CB8AC3E}">
-        <p14:creationId xmlns:p14="http://schemas.microsoft.com/office/powerpoint/2010/main" val="3491355351"/>
+        <p14:creationId xmlns:p14="http://schemas.microsoft.com/office/powerpoint/2010/main" val="3528072489"/>
       </p:ext>
     </p:extLst>
   </p:cSld>
@@ -4824,7 +4875,7 @@
           <p:cNvPr id="2" name="Title 1">
             <a:extLst>
               <a:ext uri="{FF2B5EF4-FFF2-40B4-BE49-F238E27FC236}">
-                <a16:creationId xmlns:a16="http://schemas.microsoft.com/office/drawing/2014/main" id="{5D0AF7D6-9670-4E93-865D-1DFB96D9D0CA}"/>
+                <a16:creationId xmlns:a16="http://schemas.microsoft.com/office/drawing/2014/main" id="{D8ED7287-DB93-4694-9659-FDB3EF04C6D9}"/>
               </a:ext>
             </a:extLst>
           </p:cNvPr>
@@ -4841,18 +4892,19 @@
           <a:lstStyle/>
           <a:p>
             <a:r>
-              <a:rPr lang="en-IN" dirty="0"/>
-              <a:t>S3: Dropdown List with Synced Features</a:t>
-            </a:r>
-          </a:p>
-        </p:txBody>
-      </p:sp>
-      <p:sp>
-        <p:nvSpPr>
-          <p:cNvPr id="7" name="Content Placeholder 6">
+              <a:rPr lang="en-US" dirty="0"/>
+              <a:t>S3: Start/Stop Button with Stopwatch</a:t>
+            </a:r>
+            <a:endParaRPr lang="en-IN" dirty="0"/>
+          </a:p>
+        </p:txBody>
+      </p:sp>
+      <p:sp>
+        <p:nvSpPr>
+          <p:cNvPr id="3" name="Content Placeholder 2">
             <a:extLst>
               <a:ext uri="{FF2B5EF4-FFF2-40B4-BE49-F238E27FC236}">
-                <a16:creationId xmlns:a16="http://schemas.microsoft.com/office/drawing/2014/main" id="{F5AB2A47-5A17-4E16-9E80-114F85739037}"/>
+                <a16:creationId xmlns:a16="http://schemas.microsoft.com/office/drawing/2014/main" id="{1A8A1A7B-06BD-415F-AC8D-DB945B0035AA}"/>
               </a:ext>
             </a:extLst>
           </p:cNvPr>
@@ -4863,10 +4915,34 @@
             <p:ph idx="1"/>
           </p:nvPr>
         </p:nvSpPr>
+        <p:spPr/>
+        <p:txBody>
+          <a:bodyPr/>
+          <a:lstStyle/>
+          <a:p>
+            <a:pPr marL="0" indent="0">
+              <a:buNone/>
+            </a:pPr>
+            <a:endParaRPr lang="en-IN" dirty="0"/>
+          </a:p>
+        </p:txBody>
+      </p:sp>
+      <p:sp>
+        <p:nvSpPr>
+          <p:cNvPr id="4" name="Oval 3">
+            <a:extLst>
+              <a:ext uri="{FF2B5EF4-FFF2-40B4-BE49-F238E27FC236}">
+                <a16:creationId xmlns:a16="http://schemas.microsoft.com/office/drawing/2014/main" id="{9E70830E-C40E-42E2-949A-EEEB2AD92C94}"/>
+              </a:ext>
+            </a:extLst>
+          </p:cNvPr>
+          <p:cNvSpPr/>
+          <p:nvPr/>
+        </p:nvSpPr>
         <p:spPr>
           <a:xfrm>
-            <a:off x="3070076" y="2708920"/>
-            <a:ext cx="5110727" cy="2618800"/>
+            <a:off x="4552192" y="2149347"/>
+            <a:ext cx="2376599" cy="1279653"/>
           </a:xfrm>
           <a:prstGeom prst="ellipse">
             <a:avLst/>
@@ -4889,45 +4965,66 @@
           </a:fontRef>
         </p:style>
         <p:txBody>
-          <a:bodyPr rtlCol="0" anchor="ctr">
-            <a:normAutofit fontScale="70000" lnSpcReduction="20000"/>
-          </a:bodyPr>
+          <a:bodyPr rtlCol="0" anchor="ctr"/>
           <a:lstStyle/>
           <a:p>
-            <a:pPr marL="0" indent="0" algn="ctr">
-              <a:buNone/>
-            </a:pPr>
-            <a:r>
-              <a:rPr lang="en-IN" dirty="0"/>
-              <a:t>Description of Activity during Shift</a:t>
-            </a:r>
-          </a:p>
-          <a:p>
-            <a:pPr marL="0" indent="0" algn="ctr">
-              <a:buNone/>
-            </a:pPr>
-            <a:r>
-              <a:rPr lang="en-IN" dirty="0"/>
-              <a:t>-- Dropdown list for activity options created by HLU (includes ‘Break’ and ‘Other: Specify’) (list contains projects given by HLU)</a:t>
-            </a:r>
-          </a:p>
-          <a:p>
-            <a:pPr marL="0" indent="0" algn="ctr">
-              <a:buNone/>
-            </a:pPr>
-            <a:r>
-              <a:rPr lang="en-IN" dirty="0"/>
-              <a:t>-- Break is customizable, reason for break to be specified</a:t>
-            </a:r>
-          </a:p>
-        </p:txBody>
-      </p:sp>
-      <p:sp>
-        <p:nvSpPr>
-          <p:cNvPr id="3" name="Rectangle 2">
+            <a:pPr algn="ctr"/>
+            <a:r>
+              <a:rPr lang="en-IN" sz="1799" dirty="0"/>
+              <a:t>Tabularize Log-in/Log-out time per activity</a:t>
+            </a:r>
+          </a:p>
+        </p:txBody>
+      </p:sp>
+      <p:cxnSp>
+        <p:nvCxnSpPr>
+          <p:cNvPr id="9" name="Straight Arrow Connector 8">
             <a:extLst>
               <a:ext uri="{FF2B5EF4-FFF2-40B4-BE49-F238E27FC236}">
-                <a16:creationId xmlns:a16="http://schemas.microsoft.com/office/drawing/2014/main" id="{AF984955-F92C-476C-BCB0-F4D8847304BA}"/>
+                <a16:creationId xmlns:a16="http://schemas.microsoft.com/office/drawing/2014/main" id="{138E8575-2F60-421A-BDCE-5DFFC1346659}"/>
+              </a:ext>
+            </a:extLst>
+          </p:cNvPr>
+          <p:cNvCxnSpPr>
+            <a:cxnSpLocks/>
+            <a:stCxn id="10" idx="3"/>
+            <a:endCxn id="4" idx="2"/>
+          </p:cNvCxnSpPr>
+          <p:nvPr/>
+        </p:nvCxnSpPr>
+        <p:spPr>
+          <a:xfrm flipV="1">
+            <a:off x="2777346" y="2789174"/>
+            <a:ext cx="1774846" cy="949641"/>
+          </a:xfrm>
+          <a:prstGeom prst="straightConnector1">
+            <a:avLst/>
+          </a:prstGeom>
+          <a:ln>
+            <a:tailEnd type="triangle"/>
+          </a:ln>
+        </p:spPr>
+        <p:style>
+          <a:lnRef idx="1">
+            <a:schemeClr val="accent1"/>
+          </a:lnRef>
+          <a:fillRef idx="0">
+            <a:schemeClr val="accent1"/>
+          </a:fillRef>
+          <a:effectRef idx="0">
+            <a:schemeClr val="accent1"/>
+          </a:effectRef>
+          <a:fontRef idx="minor">
+            <a:schemeClr val="tx1"/>
+          </a:fontRef>
+        </p:style>
+      </p:cxnSp>
+      <p:sp>
+        <p:nvSpPr>
+          <p:cNvPr id="10" name="Rectangle 9">
+            <a:extLst>
+              <a:ext uri="{FF2B5EF4-FFF2-40B4-BE49-F238E27FC236}">
+                <a16:creationId xmlns:a16="http://schemas.microsoft.com/office/drawing/2014/main" id="{28B2FF1D-C0A5-4D83-8187-B6A998473A9D}"/>
               </a:ext>
             </a:extLst>
           </p:cNvPr>
@@ -4936,8 +5033,8 @@
         </p:nvSpPr>
         <p:spPr>
           <a:xfrm>
-            <a:off x="765820" y="2564904"/>
-            <a:ext cx="1512168" cy="3240360"/>
+            <a:off x="1446042" y="2424598"/>
+            <a:ext cx="1331304" cy="2628433"/>
           </a:xfrm>
           <a:prstGeom prst="rect">
             <a:avLst/>
@@ -4965,32 +5062,81 @@
           <a:p>
             <a:pPr algn="ctr"/>
             <a:r>
-              <a:rPr lang="en-IN" dirty="0" err="1"/>
-              <a:t>DropDown</a:t>
-            </a:r>
-            <a:r>
-              <a:rPr lang="en-IN" dirty="0"/>
-              <a:t> List</a:t>
-            </a:r>
-          </a:p>
-        </p:txBody>
-      </p:sp>
-      <p:cxnSp>
-        <p:nvCxnSpPr>
-          <p:cNvPr id="5" name="Straight Arrow Connector 4">
+              <a:rPr lang="en-IN" sz="1799" dirty="0"/>
+              <a:t>Clock GUI</a:t>
+            </a:r>
+          </a:p>
+        </p:txBody>
+      </p:sp>
+      <p:sp>
+        <p:nvSpPr>
+          <p:cNvPr id="12" name="Cylinder 11">
             <a:extLst>
               <a:ext uri="{FF2B5EF4-FFF2-40B4-BE49-F238E27FC236}">
-                <a16:creationId xmlns:a16="http://schemas.microsoft.com/office/drawing/2014/main" id="{A8A9AFD1-7D2C-496B-9665-07D458493B36}"/>
+                <a16:creationId xmlns:a16="http://schemas.microsoft.com/office/drawing/2014/main" id="{292E3AA7-B13D-476A-BC1B-7FCA7B50EBE6}"/>
               </a:ext>
             </a:extLst>
           </p:cNvPr>
-          <p:cNvCxnSpPr/>
+          <p:cNvSpPr/>
+          <p:nvPr/>
+        </p:nvSpPr>
+        <p:spPr>
+          <a:xfrm>
+            <a:off x="8393798" y="1904999"/>
+            <a:ext cx="2035361" cy="3689566"/>
+          </a:xfrm>
+          <a:prstGeom prst="can">
+            <a:avLst/>
+          </a:prstGeom>
+        </p:spPr>
+        <p:style>
+          <a:lnRef idx="2">
+            <a:schemeClr val="accent6">
+              <a:shade val="50000"/>
+            </a:schemeClr>
+          </a:lnRef>
+          <a:fillRef idx="1">
+            <a:schemeClr val="accent6"/>
+          </a:fillRef>
+          <a:effectRef idx="0">
+            <a:schemeClr val="accent6"/>
+          </a:effectRef>
+          <a:fontRef idx="minor">
+            <a:schemeClr val="lt1"/>
+          </a:fontRef>
+        </p:style>
+        <p:txBody>
+          <a:bodyPr rtlCol="0" anchor="ctr"/>
+          <a:lstStyle/>
+          <a:p>
+            <a:pPr algn="ctr"/>
+            <a:r>
+              <a:rPr lang="en-IN" sz="1799" dirty="0"/>
+              <a:t>Timesheet DB</a:t>
+            </a:r>
+          </a:p>
+        </p:txBody>
+      </p:sp>
+      <p:cxnSp>
+        <p:nvCxnSpPr>
+          <p:cNvPr id="14" name="Straight Arrow Connector 13">
+            <a:extLst>
+              <a:ext uri="{FF2B5EF4-FFF2-40B4-BE49-F238E27FC236}">
+                <a16:creationId xmlns:a16="http://schemas.microsoft.com/office/drawing/2014/main" id="{14D5644A-FBE0-4E8C-B4AF-A0A2D9483763}"/>
+              </a:ext>
+            </a:extLst>
+          </p:cNvPr>
+          <p:cNvCxnSpPr>
+            <a:cxnSpLocks/>
+            <a:stCxn id="4" idx="6"/>
+            <a:endCxn id="12" idx="2"/>
+          </p:cNvCxnSpPr>
           <p:nvPr/>
         </p:nvCxnSpPr>
         <p:spPr>
           <a:xfrm>
-            <a:off x="2277988" y="3186464"/>
-            <a:ext cx="1080120" cy="242536"/>
+            <a:off x="6928791" y="2789174"/>
+            <a:ext cx="1465007" cy="960608"/>
           </a:xfrm>
           <a:prstGeom prst="straightConnector1">
             <a:avLst/>
@@ -5014,55 +5160,116 @@
           </a:fontRef>
         </p:style>
       </p:cxnSp>
-      <p:pic>
-        <p:nvPicPr>
-          <p:cNvPr id="6" name="Picture 5">
+      <p:sp>
+        <p:nvSpPr>
+          <p:cNvPr id="11" name="Oval 10">
             <a:extLst>
               <a:ext uri="{FF2B5EF4-FFF2-40B4-BE49-F238E27FC236}">
-                <a16:creationId xmlns:a16="http://schemas.microsoft.com/office/drawing/2014/main" id="{7D516AE3-9B16-4193-B622-BC2098405976}"/>
+                <a16:creationId xmlns:a16="http://schemas.microsoft.com/office/drawing/2014/main" id="{7857F57B-05A3-471A-BDF4-4FB7CB4AC843}"/>
               </a:ext>
             </a:extLst>
           </p:cNvPr>
-          <p:cNvPicPr>
-            <a:picLocks noChangeAspect="1"/>
-          </p:cNvPicPr>
+          <p:cNvSpPr/>
           <p:nvPr/>
-        </p:nvPicPr>
-        <p:blipFill>
-          <a:blip r:embed="rId2"/>
-          <a:stretch>
-            <a:fillRect/>
-          </a:stretch>
-        </p:blipFill>
+        </p:nvSpPr>
         <p:spPr>
           <a:xfrm>
-            <a:off x="8825184" y="2204864"/>
-            <a:ext cx="2316681" cy="3542083"/>
-          </a:xfrm>
-          <a:prstGeom prst="rect">
+            <a:off x="4043823" y="3891427"/>
+            <a:ext cx="3156896" cy="1554225"/>
+          </a:xfrm>
+          <a:prstGeom prst="ellipse">
             <a:avLst/>
           </a:prstGeom>
         </p:spPr>
-      </p:pic>
+        <p:style>
+          <a:lnRef idx="2">
+            <a:schemeClr val="accent1">
+              <a:shade val="50000"/>
+            </a:schemeClr>
+          </a:lnRef>
+          <a:fillRef idx="1">
+            <a:schemeClr val="accent1"/>
+          </a:fillRef>
+          <a:effectRef idx="0">
+            <a:schemeClr val="accent1"/>
+          </a:effectRef>
+          <a:fontRef idx="minor">
+            <a:schemeClr val="lt1"/>
+          </a:fontRef>
+        </p:style>
+        <p:txBody>
+          <a:bodyPr rtlCol="0" anchor="ctr"/>
+          <a:lstStyle/>
+          <a:p>
+            <a:pPr algn="ctr"/>
+            <a:r>
+              <a:rPr lang="en-IN" dirty="0"/>
+              <a:t>Start/stop button to initialize stopwatch (automatically started with activity)</a:t>
+            </a:r>
+          </a:p>
+        </p:txBody>
+      </p:sp>
       <p:cxnSp>
         <p:nvCxnSpPr>
-          <p:cNvPr id="9" name="Straight Arrow Connector 8">
+          <p:cNvPr id="19" name="Straight Arrow Connector 18">
             <a:extLst>
               <a:ext uri="{FF2B5EF4-FFF2-40B4-BE49-F238E27FC236}">
-                <a16:creationId xmlns:a16="http://schemas.microsoft.com/office/drawing/2014/main" id="{C8FAD184-8D4F-427F-AC6D-1F614EA540C8}"/>
+                <a16:creationId xmlns:a16="http://schemas.microsoft.com/office/drawing/2014/main" id="{14B5DB48-9A24-43AD-AFB1-D891FEE7C4F9}"/>
               </a:ext>
             </a:extLst>
           </p:cNvPr>
           <p:cNvCxnSpPr>
-            <a:cxnSpLocks/>
-            <a:endCxn id="6" idx="1"/>
+            <a:stCxn id="10" idx="3"/>
+            <a:endCxn id="11" idx="2"/>
           </p:cNvCxnSpPr>
           <p:nvPr/>
         </p:nvCxnSpPr>
         <p:spPr>
           <a:xfrm>
-            <a:off x="8110636" y="3717032"/>
-            <a:ext cx="714548" cy="258874"/>
+            <a:off x="2777346" y="3738815"/>
+            <a:ext cx="1266477" cy="929725"/>
+          </a:xfrm>
+          <a:prstGeom prst="straightConnector1">
+            <a:avLst/>
+          </a:prstGeom>
+          <a:ln>
+            <a:tailEnd type="triangle"/>
+          </a:ln>
+        </p:spPr>
+        <p:style>
+          <a:lnRef idx="1">
+            <a:schemeClr val="accent1"/>
+          </a:lnRef>
+          <a:fillRef idx="0">
+            <a:schemeClr val="accent1"/>
+          </a:fillRef>
+          <a:effectRef idx="0">
+            <a:schemeClr val="accent1"/>
+          </a:effectRef>
+          <a:fontRef idx="minor">
+            <a:schemeClr val="tx1"/>
+          </a:fontRef>
+        </p:style>
+      </p:cxnSp>
+      <p:cxnSp>
+        <p:nvCxnSpPr>
+          <p:cNvPr id="23" name="Straight Arrow Connector 22">
+            <a:extLst>
+              <a:ext uri="{FF2B5EF4-FFF2-40B4-BE49-F238E27FC236}">
+                <a16:creationId xmlns:a16="http://schemas.microsoft.com/office/drawing/2014/main" id="{253B22E6-642E-4AA3-8525-51E3F49D2BDD}"/>
+              </a:ext>
+            </a:extLst>
+          </p:cNvPr>
+          <p:cNvCxnSpPr>
+            <a:stCxn id="11" idx="6"/>
+            <a:endCxn id="12" idx="2"/>
+          </p:cNvCxnSpPr>
+          <p:nvPr/>
+        </p:nvCxnSpPr>
+        <p:spPr>
+          <a:xfrm flipV="1">
+            <a:off x="7200719" y="3749782"/>
+            <a:ext cx="1193079" cy="918758"/>
           </a:xfrm>
           <a:prstGeom prst="straightConnector1">
             <a:avLst/>
@@ -5089,7 +5296,7 @@
     </p:spTree>
     <p:extLst>
       <p:ext uri="{BB962C8B-B14F-4D97-AF65-F5344CB8AC3E}">
-        <p14:creationId xmlns:p14="http://schemas.microsoft.com/office/powerpoint/2010/main" val="3528072489"/>
+        <p14:creationId xmlns:p14="http://schemas.microsoft.com/office/powerpoint/2010/main" val="266575116"/>
       </p:ext>
     </p:extLst>
   </p:cSld>
@@ -5133,7 +5340,7 @@
           <p:cNvPr id="2" name="Title 1">
             <a:extLst>
               <a:ext uri="{FF2B5EF4-FFF2-40B4-BE49-F238E27FC236}">
-                <a16:creationId xmlns:a16="http://schemas.microsoft.com/office/drawing/2014/main" id="{D8ED7287-DB93-4694-9659-FDB3EF04C6D9}"/>
+                <a16:creationId xmlns:a16="http://schemas.microsoft.com/office/drawing/2014/main" id="{6305FEF7-38E9-4FEC-8555-0C5D249FFCE6}"/>
               </a:ext>
             </a:extLst>
           </p:cNvPr>
@@ -5150,38 +5357,9 @@
           <a:lstStyle/>
           <a:p>
             <a:r>
-              <a:rPr lang="en-US" dirty="0"/>
-              <a:t>S4: Start/Stop Button with Stopwatch</a:t>
-            </a:r>
-            <a:endParaRPr lang="en-IN" dirty="0"/>
-          </a:p>
-        </p:txBody>
-      </p:sp>
-      <p:sp>
-        <p:nvSpPr>
-          <p:cNvPr id="3" name="Content Placeholder 2">
-            <a:extLst>
-              <a:ext uri="{FF2B5EF4-FFF2-40B4-BE49-F238E27FC236}">
-                <a16:creationId xmlns:a16="http://schemas.microsoft.com/office/drawing/2014/main" id="{1A8A1A7B-06BD-415F-AC8D-DB945B0035AA}"/>
-              </a:ext>
-            </a:extLst>
-          </p:cNvPr>
-          <p:cNvSpPr>
-            <a:spLocks noGrp="1"/>
-          </p:cNvSpPr>
-          <p:nvPr>
-            <p:ph idx="1"/>
-          </p:nvPr>
-        </p:nvSpPr>
-        <p:spPr/>
-        <p:txBody>
-          <a:bodyPr/>
-          <a:lstStyle/>
-          <a:p>
-            <a:pPr marL="0" indent="0">
-              <a:buNone/>
-            </a:pPr>
-            <a:endParaRPr lang="en-IN" dirty="0"/>
+              <a:rPr lang="en-IN" dirty="0"/>
+              <a:t>S4: Text Area for Additional Comments</a:t>
+            </a:r>
           </a:p>
         </p:txBody>
       </p:sp>
@@ -5190,7 +5368,7 @@
           <p:cNvPr id="4" name="Oval 3">
             <a:extLst>
               <a:ext uri="{FF2B5EF4-FFF2-40B4-BE49-F238E27FC236}">
-                <a16:creationId xmlns:a16="http://schemas.microsoft.com/office/drawing/2014/main" id="{9E70830E-C40E-42E2-949A-EEEB2AD92C94}"/>
+                <a16:creationId xmlns:a16="http://schemas.microsoft.com/office/drawing/2014/main" id="{05388D75-8AC3-440A-A3BD-E2DAED9E411F}"/>
               </a:ext>
             </a:extLst>
           </p:cNvPr>
@@ -5199,8 +5377,8 @@
         </p:nvSpPr>
         <p:spPr>
           <a:xfrm>
-            <a:off x="3301632" y="2476969"/>
-            <a:ext cx="5263087" cy="2671632"/>
+            <a:off x="4325759" y="2470985"/>
+            <a:ext cx="2566718" cy="2736304"/>
           </a:xfrm>
           <a:prstGeom prst="ellipse">
             <a:avLst/>
@@ -5228,77 +5406,32 @@
           <a:p>
             <a:pPr algn="ctr"/>
             <a:r>
-              <a:rPr lang="en-IN" sz="1799" dirty="0"/>
-              <a:t>Log-in/Log-Out Time</a:t>
+              <a:rPr lang="en-IN" dirty="0"/>
+              <a:t>Option to send message to HLU</a:t>
             </a:r>
           </a:p>
           <a:p>
             <a:pPr algn="ctr"/>
             <a:r>
-              <a:rPr lang="en-IN" sz="1799" dirty="0"/>
-              <a:t>-- Option to include stopwatch</a:t>
+              <a:rPr lang="en-IN" dirty="0"/>
+              <a:t>(Example: Status update on the current project)</a:t>
             </a:r>
           </a:p>
           <a:p>
             <a:pPr algn="ctr"/>
             <a:r>
-              <a:rPr lang="en-IN" sz="1799" dirty="0"/>
-              <a:t>HLU selects option between LLU entering start and end time, or start time being automatically logged at log in time</a:t>
-            </a:r>
-          </a:p>
-          <a:p>
-            <a:pPr algn="ctr"/>
-            <a:endParaRPr lang="en-IN" sz="1799" dirty="0"/>
-          </a:p>
-        </p:txBody>
-      </p:sp>
-      <p:cxnSp>
-        <p:nvCxnSpPr>
-          <p:cNvPr id="9" name="Straight Arrow Connector 8">
+              <a:rPr lang="en-IN" dirty="0"/>
+              <a:t>-- Option to specify priority level</a:t>
+            </a:r>
+          </a:p>
+        </p:txBody>
+      </p:sp>
+      <p:sp>
+        <p:nvSpPr>
+          <p:cNvPr id="8" name="Rectangle 7">
             <a:extLst>
               <a:ext uri="{FF2B5EF4-FFF2-40B4-BE49-F238E27FC236}">
-                <a16:creationId xmlns:a16="http://schemas.microsoft.com/office/drawing/2014/main" id="{138E8575-2F60-421A-BDCE-5DFFC1346659}"/>
-              </a:ext>
-            </a:extLst>
-          </p:cNvPr>
-          <p:cNvCxnSpPr>
-            <a:cxnSpLocks/>
-          </p:cNvCxnSpPr>
-          <p:nvPr/>
-        </p:nvCxnSpPr>
-        <p:spPr>
-          <a:xfrm>
-            <a:off x="2724735" y="2742629"/>
-            <a:ext cx="994040" cy="311341"/>
-          </a:xfrm>
-          <a:prstGeom prst="straightConnector1">
-            <a:avLst/>
-          </a:prstGeom>
-          <a:ln>
-            <a:tailEnd type="triangle"/>
-          </a:ln>
-        </p:spPr>
-        <p:style>
-          <a:lnRef idx="1">
-            <a:schemeClr val="accent1"/>
-          </a:lnRef>
-          <a:fillRef idx="0">
-            <a:schemeClr val="accent1"/>
-          </a:fillRef>
-          <a:effectRef idx="0">
-            <a:schemeClr val="accent1"/>
-          </a:effectRef>
-          <a:fontRef idx="minor">
-            <a:schemeClr val="tx1"/>
-          </a:fontRef>
-        </p:style>
-      </p:cxnSp>
-      <p:sp>
-        <p:nvSpPr>
-          <p:cNvPr id="10" name="Rectangle 9">
-            <a:extLst>
-              <a:ext uri="{FF2B5EF4-FFF2-40B4-BE49-F238E27FC236}">
-                <a16:creationId xmlns:a16="http://schemas.microsoft.com/office/drawing/2014/main" id="{28B2FF1D-C0A5-4D83-8187-B6A998473A9D}"/>
+                <a16:creationId xmlns:a16="http://schemas.microsoft.com/office/drawing/2014/main" id="{17D7D6AF-0C66-481C-A6E0-EA85E6877AAB}"/>
               </a:ext>
             </a:extLst>
           </p:cNvPr>
@@ -5307,8 +5440,8 @@
         </p:nvSpPr>
         <p:spPr>
           <a:xfrm>
-            <a:off x="1393431" y="2476967"/>
-            <a:ext cx="1331304" cy="2628433"/>
+            <a:off x="1269876" y="2651004"/>
+            <a:ext cx="1307977" cy="2376264"/>
           </a:xfrm>
           <a:prstGeom prst="rect">
             <a:avLst/>
@@ -5336,79 +5469,107 @@
           <a:p>
             <a:pPr algn="ctr"/>
             <a:r>
-              <a:rPr lang="en-IN" sz="1799" dirty="0"/>
-              <a:t>Clock GUI</a:t>
-            </a:r>
-          </a:p>
-        </p:txBody>
-      </p:sp>
-      <p:sp>
-        <p:nvSpPr>
-          <p:cNvPr id="12" name="Cylinder 11">
+              <a:rPr lang="en-IN" dirty="0" err="1"/>
+              <a:t>CharField</a:t>
+            </a:r>
+            <a:endParaRPr lang="en-IN" dirty="0"/>
+          </a:p>
+        </p:txBody>
+      </p:sp>
+      <p:cxnSp>
+        <p:nvCxnSpPr>
+          <p:cNvPr id="10" name="Straight Arrow Connector 9">
             <a:extLst>
               <a:ext uri="{FF2B5EF4-FFF2-40B4-BE49-F238E27FC236}">
-                <a16:creationId xmlns:a16="http://schemas.microsoft.com/office/drawing/2014/main" id="{292E3AA7-B13D-476A-BC1B-7FCA7B50EBE6}"/>
-              </a:ext>
-            </a:extLst>
-          </p:cNvPr>
-          <p:cNvSpPr/>
-          <p:nvPr/>
-        </p:nvSpPr>
-        <p:spPr>
-          <a:xfrm>
-            <a:off x="9459650" y="2276873"/>
-            <a:ext cx="2035361" cy="3689566"/>
-          </a:xfrm>
-          <a:prstGeom prst="can">
-            <a:avLst/>
-          </a:prstGeom>
-        </p:spPr>
-        <p:style>
-          <a:lnRef idx="2">
-            <a:schemeClr val="accent6">
-              <a:shade val="50000"/>
-            </a:schemeClr>
-          </a:lnRef>
-          <a:fillRef idx="1">
-            <a:schemeClr val="accent6"/>
-          </a:fillRef>
-          <a:effectRef idx="0">
-            <a:schemeClr val="accent6"/>
-          </a:effectRef>
-          <a:fontRef idx="minor">
-            <a:schemeClr val="lt1"/>
-          </a:fontRef>
-        </p:style>
-        <p:txBody>
-          <a:bodyPr rtlCol="0" anchor="ctr"/>
-          <a:lstStyle/>
-          <a:p>
-            <a:pPr algn="ctr"/>
-            <a:r>
-              <a:rPr lang="en-IN" sz="1799" dirty="0"/>
-              <a:t>Timesheet DB</a:t>
-            </a:r>
-          </a:p>
-        </p:txBody>
-      </p:sp>
-      <p:cxnSp>
-        <p:nvCxnSpPr>
-          <p:cNvPr id="14" name="Straight Arrow Connector 13">
-            <a:extLst>
-              <a:ext uri="{FF2B5EF4-FFF2-40B4-BE49-F238E27FC236}">
-                <a16:creationId xmlns:a16="http://schemas.microsoft.com/office/drawing/2014/main" id="{14D5644A-FBE0-4E8C-B4AF-A0A2D9483763}"/>
+                <a16:creationId xmlns:a16="http://schemas.microsoft.com/office/drawing/2014/main" id="{6B4BA0AE-BB87-44E9-BD5A-D5523E290BA3}"/>
               </a:ext>
             </a:extLst>
           </p:cNvPr>
           <p:cNvCxnSpPr>
             <a:cxnSpLocks/>
+            <a:stCxn id="8" idx="3"/>
+            <a:endCxn id="4" idx="2"/>
           </p:cNvCxnSpPr>
           <p:nvPr/>
         </p:nvCxnSpPr>
         <p:spPr>
           <a:xfrm>
-            <a:off x="8387213" y="4367410"/>
-            <a:ext cx="1072438" cy="685621"/>
+            <a:off x="2577853" y="3839136"/>
+            <a:ext cx="1747906" cy="1"/>
+          </a:xfrm>
+          <a:prstGeom prst="straightConnector1">
+            <a:avLst/>
+          </a:prstGeom>
+          <a:ln>
+            <a:tailEnd type="triangle"/>
+          </a:ln>
+        </p:spPr>
+        <p:style>
+          <a:lnRef idx="1">
+            <a:schemeClr val="accent1"/>
+          </a:lnRef>
+          <a:fillRef idx="0">
+            <a:schemeClr val="accent1"/>
+          </a:fillRef>
+          <a:effectRef idx="0">
+            <a:schemeClr val="accent1"/>
+          </a:effectRef>
+          <a:fontRef idx="minor">
+            <a:schemeClr val="tx1"/>
+          </a:fontRef>
+        </p:style>
+      </p:cxnSp>
+      <p:pic>
+        <p:nvPicPr>
+          <p:cNvPr id="14" name="Content Placeholder 13">
+            <a:extLst>
+              <a:ext uri="{FF2B5EF4-FFF2-40B4-BE49-F238E27FC236}">
+                <a16:creationId xmlns:a16="http://schemas.microsoft.com/office/drawing/2014/main" id="{0B5B090E-3899-4E53-BC4A-A54B313EB937}"/>
+              </a:ext>
+            </a:extLst>
+          </p:cNvPr>
+          <p:cNvPicPr>
+            <a:picLocks noGrp="1" noChangeAspect="1"/>
+          </p:cNvPicPr>
+          <p:nvPr>
+            <p:ph idx="1"/>
+          </p:nvPr>
+        </p:nvPicPr>
+        <p:blipFill>
+          <a:blip r:embed="rId2"/>
+          <a:stretch>
+            <a:fillRect/>
+          </a:stretch>
+        </p:blipFill>
+        <p:spPr>
+          <a:xfrm>
+            <a:off x="8470676" y="1988840"/>
+            <a:ext cx="1955558" cy="3700593"/>
+          </a:xfrm>
+          <a:prstGeom prst="rect">
+            <a:avLst/>
+          </a:prstGeom>
+        </p:spPr>
+      </p:pic>
+      <p:cxnSp>
+        <p:nvCxnSpPr>
+          <p:cNvPr id="20" name="Straight Arrow Connector 19">
+            <a:extLst>
+              <a:ext uri="{FF2B5EF4-FFF2-40B4-BE49-F238E27FC236}">
+                <a16:creationId xmlns:a16="http://schemas.microsoft.com/office/drawing/2014/main" id="{AE9136C0-AF42-4656-8116-B74CA36D38E2}"/>
+              </a:ext>
+            </a:extLst>
+          </p:cNvPr>
+          <p:cNvCxnSpPr>
+            <a:stCxn id="4" idx="6"/>
+            <a:endCxn id="14" idx="1"/>
+          </p:cNvCxnSpPr>
+          <p:nvPr/>
+        </p:nvCxnSpPr>
+        <p:spPr>
+          <a:xfrm>
+            <a:off x="6892477" y="3839137"/>
+            <a:ext cx="1578199" cy="0"/>
           </a:xfrm>
           <a:prstGeom prst="straightConnector1">
             <a:avLst/>
@@ -5435,7 +5596,7 @@
     </p:spTree>
     <p:extLst>
       <p:ext uri="{BB962C8B-B14F-4D97-AF65-F5344CB8AC3E}">
-        <p14:creationId xmlns:p14="http://schemas.microsoft.com/office/powerpoint/2010/main" val="266575116"/>
+        <p14:creationId xmlns:p14="http://schemas.microsoft.com/office/powerpoint/2010/main" val="1296659897"/>
       </p:ext>
     </p:extLst>
   </p:cSld>
@@ -5479,7 +5640,7 @@
           <p:cNvPr id="2" name="Title 1">
             <a:extLst>
               <a:ext uri="{FF2B5EF4-FFF2-40B4-BE49-F238E27FC236}">
-                <a16:creationId xmlns:a16="http://schemas.microsoft.com/office/drawing/2014/main" id="{6305FEF7-38E9-4FEC-8555-0C5D249FFCE6}"/>
+                <a16:creationId xmlns:a16="http://schemas.microsoft.com/office/drawing/2014/main" id="{ED525FD8-1515-4881-AA7F-3DF1FED814D5}"/>
               </a:ext>
             </a:extLst>
           </p:cNvPr>
@@ -5490,15 +5651,53 @@
             <p:ph type="title"/>
           </p:nvPr>
         </p:nvSpPr>
-        <p:spPr/>
+        <p:spPr>
+          <a:xfrm>
+            <a:off x="886101" y="443345"/>
+            <a:ext cx="9144001" cy="1371600"/>
+          </a:xfrm>
+        </p:spPr>
         <p:txBody>
           <a:bodyPr/>
           <a:lstStyle/>
           <a:p>
             <a:r>
               <a:rPr lang="en-IN" dirty="0"/>
-              <a:t>S5: Text Area for Additional Comments</a:t>
-            </a:r>
+              <a:t>S5+S6: Submission for Approval and Saving as Draft</a:t>
+            </a:r>
+          </a:p>
+        </p:txBody>
+      </p:sp>
+      <p:sp>
+        <p:nvSpPr>
+          <p:cNvPr id="3" name="Content Placeholder 2">
+            <a:extLst>
+              <a:ext uri="{FF2B5EF4-FFF2-40B4-BE49-F238E27FC236}">
+                <a16:creationId xmlns:a16="http://schemas.microsoft.com/office/drawing/2014/main" id="{7FE7A0F9-D607-4CB5-96CB-B71112E75F3B}"/>
+              </a:ext>
+            </a:extLst>
+          </p:cNvPr>
+          <p:cNvSpPr>
+            <a:spLocks noGrp="1"/>
+          </p:cNvSpPr>
+          <p:nvPr>
+            <p:ph idx="1"/>
+          </p:nvPr>
+        </p:nvSpPr>
+        <p:spPr>
+          <a:xfrm>
+            <a:off x="1188641" y="1904999"/>
+            <a:ext cx="9134391" cy="4114801"/>
+          </a:xfrm>
+        </p:spPr>
+        <p:txBody>
+          <a:bodyPr/>
+          <a:lstStyle/>
+          <a:p>
+            <a:pPr marL="0" indent="0">
+              <a:buNone/>
+            </a:pPr>
+            <a:endParaRPr lang="en-IN" dirty="0"/>
           </a:p>
         </p:txBody>
       </p:sp>
@@ -5507,7 +5706,7 @@
           <p:cNvPr id="4" name="Oval 3">
             <a:extLst>
               <a:ext uri="{FF2B5EF4-FFF2-40B4-BE49-F238E27FC236}">
-                <a16:creationId xmlns:a16="http://schemas.microsoft.com/office/drawing/2014/main" id="{05388D75-8AC3-440A-A3BD-E2DAED9E411F}"/>
+                <a16:creationId xmlns:a16="http://schemas.microsoft.com/office/drawing/2014/main" id="{D739D00C-6130-4944-A99E-A4BFB4B97A3D}"/>
               </a:ext>
             </a:extLst>
           </p:cNvPr>
@@ -5516,8 +5715,8 @@
         </p:nvSpPr>
         <p:spPr>
           <a:xfrm>
-            <a:off x="2056423" y="2561574"/>
-            <a:ext cx="2566718" cy="2736304"/>
+            <a:off x="920142" y="2250033"/>
+            <a:ext cx="2964594" cy="2932278"/>
           </a:xfrm>
           <a:prstGeom prst="ellipse">
             <a:avLst/>
@@ -5545,32 +5744,39 @@
           <a:p>
             <a:pPr algn="ctr"/>
             <a:r>
-              <a:rPr lang="en-IN" dirty="0"/>
-              <a:t>Option to send message to HLU</a:t>
+              <a:rPr lang="en-IN" sz="1400" dirty="0"/>
+              <a:t>Option to generate a daily report/view saved as drafts (bullets customizable by HLU)</a:t>
             </a:r>
           </a:p>
           <a:p>
             <a:pPr algn="ctr"/>
             <a:r>
-              <a:rPr lang="en-IN" dirty="0"/>
-              <a:t>(Example: Status update on the current project)</a:t>
+              <a:rPr lang="en-IN" sz="1400" dirty="0"/>
+              <a:t>-- Each shift: Name of activity and hours spent on activity</a:t>
             </a:r>
           </a:p>
           <a:p>
             <a:pPr algn="ctr"/>
             <a:r>
-              <a:rPr lang="en-IN" dirty="0"/>
-              <a:t>-- Option to specify priority level</a:t>
-            </a:r>
-          </a:p>
-        </p:txBody>
-      </p:sp>
-      <p:sp>
-        <p:nvSpPr>
-          <p:cNvPr id="8" name="Rectangle 7">
+              <a:rPr lang="en-IN" sz="1400" dirty="0"/>
+              <a:t>-- Total hours (adds hours of shifts work)</a:t>
+            </a:r>
+          </a:p>
+          <a:p>
+            <a:pPr algn="ctr"/>
+            <a:r>
+              <a:rPr lang="en-IN" sz="1400" dirty="0"/>
+              <a:t>-- Meetings attended</a:t>
+            </a:r>
+          </a:p>
+        </p:txBody>
+      </p:sp>
+      <p:sp>
+        <p:nvSpPr>
+          <p:cNvPr id="5" name="Oval 4">
             <a:extLst>
               <a:ext uri="{FF2B5EF4-FFF2-40B4-BE49-F238E27FC236}">
-                <a16:creationId xmlns:a16="http://schemas.microsoft.com/office/drawing/2014/main" id="{17D7D6AF-0C66-481C-A6E0-EA85E6877AAB}"/>
+                <a16:creationId xmlns:a16="http://schemas.microsoft.com/office/drawing/2014/main" id="{7FF46864-8ECB-44C5-9063-758F01C726C9}"/>
               </a:ext>
             </a:extLst>
           </p:cNvPr>
@@ -5579,8 +5785,113 @@
         </p:nvSpPr>
         <p:spPr>
           <a:xfrm>
-            <a:off x="33907" y="2608676"/>
-            <a:ext cx="1307977" cy="2376264"/>
+            <a:off x="5057643" y="1626308"/>
+            <a:ext cx="2592288" cy="2592288"/>
+          </a:xfrm>
+          <a:prstGeom prst="ellipse">
+            <a:avLst/>
+          </a:prstGeom>
+        </p:spPr>
+        <p:style>
+          <a:lnRef idx="2">
+            <a:schemeClr val="accent1">
+              <a:shade val="50000"/>
+            </a:schemeClr>
+          </a:lnRef>
+          <a:fillRef idx="1">
+            <a:schemeClr val="accent1"/>
+          </a:fillRef>
+          <a:effectRef idx="0">
+            <a:schemeClr val="accent1"/>
+          </a:effectRef>
+          <a:fontRef idx="minor">
+            <a:schemeClr val="lt1"/>
+          </a:fontRef>
+        </p:style>
+        <p:txBody>
+          <a:bodyPr rtlCol="0" anchor="ctr"/>
+          <a:lstStyle/>
+          <a:p>
+            <a:pPr algn="ctr"/>
+            <a:r>
+              <a:rPr lang="en-IN" sz="1799" dirty="0"/>
+              <a:t>Send Timesheet for Approval</a:t>
+            </a:r>
+          </a:p>
+          <a:p>
+            <a:pPr algn="ctr"/>
+            <a:r>
+              <a:rPr lang="en-IN" sz="1799" dirty="0"/>
+              <a:t>-- Report sent to HLU automatically at the end of the day</a:t>
+            </a:r>
+          </a:p>
+        </p:txBody>
+      </p:sp>
+      <p:sp>
+        <p:nvSpPr>
+          <p:cNvPr id="6" name="Oval 5">
+            <a:extLst>
+              <a:ext uri="{FF2B5EF4-FFF2-40B4-BE49-F238E27FC236}">
+                <a16:creationId xmlns:a16="http://schemas.microsoft.com/office/drawing/2014/main" id="{1D0954B1-EDBF-4BC1-AC44-FD561A78AEE9}"/>
+              </a:ext>
+            </a:extLst>
+          </p:cNvPr>
+          <p:cNvSpPr/>
+          <p:nvPr/>
+        </p:nvSpPr>
+        <p:spPr>
+          <a:xfrm>
+            <a:off x="5158066" y="4894229"/>
+            <a:ext cx="1872208" cy="1229072"/>
+          </a:xfrm>
+          <a:prstGeom prst="ellipse">
+            <a:avLst/>
+          </a:prstGeom>
+        </p:spPr>
+        <p:style>
+          <a:lnRef idx="2">
+            <a:schemeClr val="accent1">
+              <a:shade val="50000"/>
+            </a:schemeClr>
+          </a:lnRef>
+          <a:fillRef idx="1">
+            <a:schemeClr val="accent1"/>
+          </a:fillRef>
+          <a:effectRef idx="0">
+            <a:schemeClr val="accent1"/>
+          </a:effectRef>
+          <a:fontRef idx="minor">
+            <a:schemeClr val="lt1"/>
+          </a:fontRef>
+        </p:style>
+        <p:txBody>
+          <a:bodyPr rtlCol="0" anchor="ctr"/>
+          <a:lstStyle/>
+          <a:p>
+            <a:pPr algn="ctr"/>
+            <a:r>
+              <a:rPr lang="en-IN" dirty="0"/>
+              <a:t>Save as Draft to customize</a:t>
+            </a:r>
+          </a:p>
+        </p:txBody>
+      </p:sp>
+      <p:sp>
+        <p:nvSpPr>
+          <p:cNvPr id="7" name="Rectangle 6">
+            <a:extLst>
+              <a:ext uri="{FF2B5EF4-FFF2-40B4-BE49-F238E27FC236}">
+                <a16:creationId xmlns:a16="http://schemas.microsoft.com/office/drawing/2014/main" id="{D011787C-786B-4FC2-848C-4614EAD7E707}"/>
+              </a:ext>
+            </a:extLst>
+          </p:cNvPr>
+          <p:cNvSpPr/>
+          <p:nvPr/>
+        </p:nvSpPr>
+        <p:spPr>
+          <a:xfrm>
+            <a:off x="1682359" y="5617399"/>
+            <a:ext cx="1440160" cy="1204086"/>
           </a:xfrm>
           <a:prstGeom prst="rect">
             <a:avLst/>
@@ -5608,33 +5919,116 @@
           <a:p>
             <a:pPr algn="ctr"/>
             <a:r>
-              <a:rPr lang="en-IN" dirty="0" err="1"/>
-              <a:t>CharField</a:t>
-            </a:r>
-            <a:endParaRPr lang="en-IN" dirty="0"/>
+              <a:rPr lang="en-IN" dirty="0"/>
+              <a:t>Button</a:t>
+            </a:r>
           </a:p>
         </p:txBody>
       </p:sp>
       <p:cxnSp>
         <p:nvCxnSpPr>
-          <p:cNvPr id="10" name="Straight Arrow Connector 9">
+          <p:cNvPr id="9" name="Straight Arrow Connector 8">
             <a:extLst>
               <a:ext uri="{FF2B5EF4-FFF2-40B4-BE49-F238E27FC236}">
-                <a16:creationId xmlns:a16="http://schemas.microsoft.com/office/drawing/2014/main" id="{6B4BA0AE-BB87-44E9-BD5A-D5523E290BA3}"/>
+                <a16:creationId xmlns:a16="http://schemas.microsoft.com/office/drawing/2014/main" id="{4C3341C2-22A6-4DA8-91DC-1683A089E562}"/>
               </a:ext>
             </a:extLst>
           </p:cNvPr>
           <p:cNvCxnSpPr>
             <a:cxnSpLocks/>
-            <a:stCxn id="8" idx="3"/>
-            <a:endCxn id="4" idx="2"/>
+            <a:stCxn id="7" idx="0"/>
           </p:cNvCxnSpPr>
           <p:nvPr/>
         </p:nvCxnSpPr>
         <p:spPr>
+          <a:xfrm flipV="1">
+            <a:off x="2402439" y="5182311"/>
+            <a:ext cx="0" cy="435088"/>
+          </a:xfrm>
+          <a:prstGeom prst="straightConnector1">
+            <a:avLst/>
+          </a:prstGeom>
+          <a:ln>
+            <a:tailEnd type="triangle"/>
+          </a:ln>
+        </p:spPr>
+        <p:style>
+          <a:lnRef idx="1">
+            <a:schemeClr val="accent1"/>
+          </a:lnRef>
+          <a:fillRef idx="0">
+            <a:schemeClr val="accent1"/>
+          </a:fillRef>
+          <a:effectRef idx="0">
+            <a:schemeClr val="accent1"/>
+          </a:effectRef>
+          <a:fontRef idx="minor">
+            <a:schemeClr val="tx1"/>
+          </a:fontRef>
+        </p:style>
+      </p:cxnSp>
+      <p:cxnSp>
+        <p:nvCxnSpPr>
+          <p:cNvPr id="11" name="Straight Arrow Connector 10">
+            <a:extLst>
+              <a:ext uri="{FF2B5EF4-FFF2-40B4-BE49-F238E27FC236}">
+                <a16:creationId xmlns:a16="http://schemas.microsoft.com/office/drawing/2014/main" id="{F795DFC2-D9AA-4CA2-83F2-E789811A8850}"/>
+              </a:ext>
+            </a:extLst>
+          </p:cNvPr>
+          <p:cNvCxnSpPr>
+            <a:cxnSpLocks/>
+            <a:endCxn id="5" idx="2"/>
+          </p:cNvCxnSpPr>
+          <p:nvPr/>
+        </p:nvCxnSpPr>
+        <p:spPr>
+          <a:xfrm flipV="1">
+            <a:off x="3884736" y="2922452"/>
+            <a:ext cx="1172907" cy="793720"/>
+          </a:xfrm>
+          <a:prstGeom prst="straightConnector1">
+            <a:avLst/>
+          </a:prstGeom>
+          <a:ln>
+            <a:tailEnd type="triangle"/>
+          </a:ln>
+        </p:spPr>
+        <p:style>
+          <a:lnRef idx="1">
+            <a:schemeClr val="accent1"/>
+          </a:lnRef>
+          <a:fillRef idx="0">
+            <a:schemeClr val="accent1"/>
+          </a:fillRef>
+          <a:effectRef idx="0">
+            <a:schemeClr val="accent1"/>
+          </a:effectRef>
+          <a:fontRef idx="minor">
+            <a:schemeClr val="tx1"/>
+          </a:fontRef>
+        </p:style>
+      </p:cxnSp>
+      <p:cxnSp>
+        <p:nvCxnSpPr>
+          <p:cNvPr id="13" name="Straight Arrow Connector 12">
+            <a:extLst>
+              <a:ext uri="{FF2B5EF4-FFF2-40B4-BE49-F238E27FC236}">
+                <a16:creationId xmlns:a16="http://schemas.microsoft.com/office/drawing/2014/main" id="{2636E9E3-45C4-4DEC-B87E-31004AE04120}"/>
+              </a:ext>
+            </a:extLst>
+          </p:cNvPr>
+          <p:cNvCxnSpPr>
+            <a:cxnSpLocks/>
+            <a:stCxn id="4" idx="6"/>
+            <a:endCxn id="6" idx="2"/>
+          </p:cNvCxnSpPr>
+          <p:nvPr/>
+        </p:nvCxnSpPr>
+        <p:spPr>
           <a:xfrm>
-            <a:off x="1341884" y="3796808"/>
-            <a:ext cx="714539" cy="132918"/>
+            <a:off x="3884736" y="3716172"/>
+            <a:ext cx="1273330" cy="1792593"/>
           </a:xfrm>
           <a:prstGeom prst="straightConnector1">
             <a:avLst/>
@@ -5660,19 +6054,17 @@
       </p:cxnSp>
       <p:pic>
         <p:nvPicPr>
-          <p:cNvPr id="14" name="Content Placeholder 13">
+          <p:cNvPr id="16" name="Picture 15">
             <a:extLst>
               <a:ext uri="{FF2B5EF4-FFF2-40B4-BE49-F238E27FC236}">
-                <a16:creationId xmlns:a16="http://schemas.microsoft.com/office/drawing/2014/main" id="{0B5B090E-3899-4E53-BC4A-A54B313EB937}"/>
+                <a16:creationId xmlns:a16="http://schemas.microsoft.com/office/drawing/2014/main" id="{48A4C516-3A70-407B-A5A3-293B3E94B07C}"/>
               </a:ext>
             </a:extLst>
           </p:cNvPr>
           <p:cNvPicPr>
-            <a:picLocks noGrp="1" noChangeAspect="1"/>
+            <a:picLocks noChangeAspect="1"/>
           </p:cNvPicPr>
-          <p:nvPr>
-            <p:ph idx="1"/>
-          </p:nvPr>
+          <p:nvPr/>
         </p:nvPicPr>
         <p:blipFill>
           <a:blip r:embed="rId2"/>
@@ -5682,138 +6074,34 @@
         </p:blipFill>
         <p:spPr>
           <a:xfrm>
-            <a:off x="4972617" y="2026287"/>
-            <a:ext cx="1955558" cy="3700593"/>
+            <a:off x="9587103" y="1248479"/>
+            <a:ext cx="2078916" cy="3350216"/>
           </a:xfrm>
           <a:prstGeom prst="rect">
             <a:avLst/>
           </a:prstGeom>
         </p:spPr>
       </p:pic>
-      <p:sp>
-        <p:nvSpPr>
-          <p:cNvPr id="16" name="Oval 15">
+      <p:cxnSp>
+        <p:nvCxnSpPr>
+          <p:cNvPr id="39" name="Straight Arrow Connector 38">
             <a:extLst>
               <a:ext uri="{FF2B5EF4-FFF2-40B4-BE49-F238E27FC236}">
-                <a16:creationId xmlns:a16="http://schemas.microsoft.com/office/drawing/2014/main" id="{4AA860DE-4ADE-4D8C-BE55-5D259F88233B}"/>
-              </a:ext>
-            </a:extLst>
-          </p:cNvPr>
-          <p:cNvSpPr/>
-          <p:nvPr/>
-        </p:nvSpPr>
-        <p:spPr>
-          <a:xfrm>
-            <a:off x="7462564" y="3077838"/>
-            <a:ext cx="2294732" cy="1584176"/>
-          </a:xfrm>
-          <a:prstGeom prst="ellipse">
-            <a:avLst/>
-          </a:prstGeom>
-        </p:spPr>
-        <p:style>
-          <a:lnRef idx="2">
-            <a:schemeClr val="accent1">
-              <a:shade val="50000"/>
-            </a:schemeClr>
-          </a:lnRef>
-          <a:fillRef idx="1">
-            <a:schemeClr val="accent1"/>
-          </a:fillRef>
-          <a:effectRef idx="0">
-            <a:schemeClr val="accent1"/>
-          </a:effectRef>
-          <a:fontRef idx="minor">
-            <a:schemeClr val="lt1"/>
-          </a:fontRef>
-        </p:style>
-        <p:txBody>
-          <a:bodyPr rtlCol="0" anchor="ctr"/>
-          <a:lstStyle/>
-          <a:p>
-            <a:pPr algn="ctr"/>
-            <a:r>
-              <a:rPr lang="en-IN" dirty="0"/>
-              <a:t>Option to View Messages</a:t>
-            </a:r>
-          </a:p>
-          <a:p>
-            <a:pPr algn="ctr"/>
-            <a:r>
-              <a:rPr lang="en-IN" dirty="0"/>
-              <a:t>(View customizable by user)</a:t>
-            </a:r>
-          </a:p>
-        </p:txBody>
-      </p:sp>
-      <p:sp>
-        <p:nvSpPr>
-          <p:cNvPr id="17" name="Rectangle 16">
-            <a:extLst>
-              <a:ext uri="{FF2B5EF4-FFF2-40B4-BE49-F238E27FC236}">
-                <a16:creationId xmlns:a16="http://schemas.microsoft.com/office/drawing/2014/main" id="{CCE88206-673C-4648-82B9-ADBD93EC9F4B}"/>
-              </a:ext>
-            </a:extLst>
-          </p:cNvPr>
-          <p:cNvSpPr/>
-          <p:nvPr/>
-        </p:nvSpPr>
-        <p:spPr>
-          <a:xfrm>
-            <a:off x="10558908" y="2824700"/>
-            <a:ext cx="1512168" cy="2548516"/>
-          </a:xfrm>
-          <a:prstGeom prst="rect">
-            <a:avLst/>
-          </a:prstGeom>
-        </p:spPr>
-        <p:style>
-          <a:lnRef idx="2">
-            <a:schemeClr val="accent3">
-              <a:shade val="50000"/>
-            </a:schemeClr>
-          </a:lnRef>
-          <a:fillRef idx="1">
-            <a:schemeClr val="accent3"/>
-          </a:fillRef>
-          <a:effectRef idx="0">
-            <a:schemeClr val="accent3"/>
-          </a:effectRef>
-          <a:fontRef idx="minor">
-            <a:schemeClr val="lt1"/>
-          </a:fontRef>
-        </p:style>
-        <p:txBody>
-          <a:bodyPr rtlCol="0" anchor="ctr"/>
-          <a:lstStyle/>
-          <a:p>
-            <a:pPr algn="ctr"/>
-            <a:r>
-              <a:rPr lang="en-IN" dirty="0"/>
-              <a:t>All Messages Displayed one below the other in order of priority</a:t>
-            </a:r>
-          </a:p>
-        </p:txBody>
-      </p:sp>
-      <p:cxnSp>
-        <p:nvCxnSpPr>
-          <p:cNvPr id="20" name="Straight Arrow Connector 19">
-            <a:extLst>
-              <a:ext uri="{FF2B5EF4-FFF2-40B4-BE49-F238E27FC236}">
-                <a16:creationId xmlns:a16="http://schemas.microsoft.com/office/drawing/2014/main" id="{AE9136C0-AF42-4656-8116-B74CA36D38E2}"/>
+                <a16:creationId xmlns:a16="http://schemas.microsoft.com/office/drawing/2014/main" id="{3BFF5858-AF22-4E9E-8053-6315A7B90413}"/>
               </a:ext>
             </a:extLst>
           </p:cNvPr>
           <p:cNvCxnSpPr>
-            <a:stCxn id="4" idx="6"/>
-            <a:endCxn id="14" idx="1"/>
+            <a:cxnSpLocks/>
+            <a:stCxn id="6" idx="6"/>
+            <a:endCxn id="40" idx="2"/>
           </p:cNvCxnSpPr>
           <p:nvPr/>
         </p:nvCxnSpPr>
         <p:spPr>
           <a:xfrm flipV="1">
-            <a:off x="4623141" y="3876584"/>
-            <a:ext cx="349476" cy="53142"/>
+            <a:off x="7030274" y="5491275"/>
+            <a:ext cx="1273330" cy="17490"/>
           </a:xfrm>
           <a:prstGeom prst="straightConnector1">
             <a:avLst/>
@@ -5837,67 +6125,75 @@
           </a:fontRef>
         </p:style>
       </p:cxnSp>
+      <p:sp>
+        <p:nvSpPr>
+          <p:cNvPr id="40" name="Flowchart: Magnetic Disk 39">
+            <a:extLst>
+              <a:ext uri="{FF2B5EF4-FFF2-40B4-BE49-F238E27FC236}">
+                <a16:creationId xmlns:a16="http://schemas.microsoft.com/office/drawing/2014/main" id="{CDDA502D-813E-4C3D-9E25-BF2AA7F77101}"/>
+              </a:ext>
+            </a:extLst>
+          </p:cNvPr>
+          <p:cNvSpPr/>
+          <p:nvPr/>
+        </p:nvSpPr>
+        <p:spPr>
+          <a:xfrm>
+            <a:off x="8303604" y="4783112"/>
+            <a:ext cx="1113711" cy="1416326"/>
+          </a:xfrm>
+          <a:prstGeom prst="flowChartMagneticDisk">
+            <a:avLst/>
+          </a:prstGeom>
+        </p:spPr>
+        <p:style>
+          <a:lnRef idx="2">
+            <a:schemeClr val="accent6">
+              <a:shade val="50000"/>
+            </a:schemeClr>
+          </a:lnRef>
+          <a:fillRef idx="1">
+            <a:schemeClr val="accent6"/>
+          </a:fillRef>
+          <a:effectRef idx="0">
+            <a:schemeClr val="accent6"/>
+          </a:effectRef>
+          <a:fontRef idx="minor">
+            <a:schemeClr val="lt1"/>
+          </a:fontRef>
+        </p:style>
+        <p:txBody>
+          <a:bodyPr rtlCol="0" anchor="ctr"/>
+          <a:lstStyle/>
+          <a:p>
+            <a:pPr algn="ctr"/>
+            <a:r>
+              <a:rPr lang="en-IN" dirty="0"/>
+              <a:t>User’s local Storage</a:t>
+            </a:r>
+          </a:p>
+        </p:txBody>
+      </p:sp>
       <p:cxnSp>
         <p:nvCxnSpPr>
-          <p:cNvPr id="24" name="Straight Arrow Connector 23">
+          <p:cNvPr id="45" name="Straight Arrow Connector 44">
             <a:extLst>
               <a:ext uri="{FF2B5EF4-FFF2-40B4-BE49-F238E27FC236}">
-                <a16:creationId xmlns:a16="http://schemas.microsoft.com/office/drawing/2014/main" id="{CA167A04-45B8-4B22-9EEA-08F052AE95D5}"/>
+                <a16:creationId xmlns:a16="http://schemas.microsoft.com/office/drawing/2014/main" id="{32C63359-11FF-48B9-A2E1-A22B3C9F0334}"/>
               </a:ext>
             </a:extLst>
           </p:cNvPr>
           <p:cNvCxnSpPr>
-            <a:stCxn id="14" idx="3"/>
-            <a:endCxn id="16" idx="2"/>
+            <a:cxnSpLocks/>
+            <a:stCxn id="5" idx="6"/>
+            <a:endCxn id="16" idx="1"/>
           </p:cNvCxnSpPr>
           <p:nvPr/>
         </p:nvCxnSpPr>
         <p:spPr>
-          <a:xfrm flipV="1">
-            <a:off x="6928175" y="3869926"/>
-            <a:ext cx="534389" cy="6658"/>
-          </a:xfrm>
-          <a:prstGeom prst="straightConnector1">
-            <a:avLst/>
-          </a:prstGeom>
-          <a:ln>
-            <a:tailEnd type="triangle"/>
-          </a:ln>
-        </p:spPr>
-        <p:style>
-          <a:lnRef idx="1">
-            <a:schemeClr val="accent1"/>
-          </a:lnRef>
-          <a:fillRef idx="0">
-            <a:schemeClr val="accent1"/>
-          </a:fillRef>
-          <a:effectRef idx="0">
-            <a:schemeClr val="accent1"/>
-          </a:effectRef>
-          <a:fontRef idx="minor">
-            <a:schemeClr val="tx1"/>
-          </a:fontRef>
-        </p:style>
-      </p:cxnSp>
-      <p:cxnSp>
-        <p:nvCxnSpPr>
-          <p:cNvPr id="26" name="Straight Arrow Connector 25">
-            <a:extLst>
-              <a:ext uri="{FF2B5EF4-FFF2-40B4-BE49-F238E27FC236}">
-                <a16:creationId xmlns:a16="http://schemas.microsoft.com/office/drawing/2014/main" id="{3650DA7E-251E-443A-A6DC-A087D153B373}"/>
-              </a:ext>
-            </a:extLst>
-          </p:cNvPr>
-          <p:cNvCxnSpPr>
-            <a:stCxn id="16" idx="6"/>
-            <a:endCxn id="17" idx="1"/>
-          </p:cNvCxnSpPr>
-          <p:nvPr/>
-        </p:nvCxnSpPr>
-        <p:spPr>
           <a:xfrm>
-            <a:off x="9757296" y="3869926"/>
-            <a:ext cx="801612" cy="229032"/>
+            <a:off x="7649931" y="2922452"/>
+            <a:ext cx="1937172" cy="1135"/>
           </a:xfrm>
           <a:prstGeom prst="straightConnector1">
             <a:avLst/>
@@ -5924,7 +6220,7 @@
     </p:spTree>
     <p:extLst>
       <p:ext uri="{BB962C8B-B14F-4D97-AF65-F5344CB8AC3E}">
-        <p14:creationId xmlns:p14="http://schemas.microsoft.com/office/powerpoint/2010/main" val="1296659897"/>
+        <p14:creationId xmlns:p14="http://schemas.microsoft.com/office/powerpoint/2010/main" val="2788204139"/>
       </p:ext>
     </p:extLst>
   </p:cSld>
@@ -5968,7 +6264,7 @@
           <p:cNvPr id="2" name="Title 1">
             <a:extLst>
               <a:ext uri="{FF2B5EF4-FFF2-40B4-BE49-F238E27FC236}">
-                <a16:creationId xmlns:a16="http://schemas.microsoft.com/office/drawing/2014/main" id="{ED525FD8-1515-4881-AA7F-3DF1FED814D5}"/>
+                <a16:creationId xmlns:a16="http://schemas.microsoft.com/office/drawing/2014/main" id="{F5C783ED-2C7B-4328-AA1C-7996F82BFC61}"/>
               </a:ext>
             </a:extLst>
           </p:cNvPr>
@@ -5979,20 +6275,28 @@
             <p:ph type="title"/>
           </p:nvPr>
         </p:nvSpPr>
-        <p:spPr>
-          <a:xfrm>
-            <a:off x="1188641" y="381000"/>
-            <a:ext cx="9144001" cy="1371600"/>
-          </a:xfrm>
-        </p:spPr>
+        <p:spPr/>
         <p:txBody>
           <a:bodyPr/>
           <a:lstStyle/>
           <a:p>
             <a:r>
               <a:rPr lang="en-IN" dirty="0"/>
-              <a:t>S6: Activity Report</a:t>
-            </a:r>
+              <a:t>S7: Attendance </a:t>
+            </a:r>
+            <a:r>
+              <a:rPr lang="en-US" dirty="0"/>
+              <a:t>Reflected by </a:t>
+            </a:r>
+            <a:r>
+              <a:rPr lang="en-US" dirty="0" err="1"/>
+              <a:t>TimeTracker</a:t>
+            </a:r>
+            <a:r>
+              <a:rPr lang="en-US" dirty="0"/>
+              <a:t> Activities</a:t>
+            </a:r>
+            <a:endParaRPr lang="en-IN" dirty="0"/>
           </a:p>
         </p:txBody>
       </p:sp>
@@ -6001,7 +6305,7 @@
           <p:cNvPr id="3" name="Content Placeholder 2">
             <a:extLst>
               <a:ext uri="{FF2B5EF4-FFF2-40B4-BE49-F238E27FC236}">
-                <a16:creationId xmlns:a16="http://schemas.microsoft.com/office/drawing/2014/main" id="{7FE7A0F9-D607-4CB5-96CB-B71112E75F3B}"/>
+                <a16:creationId xmlns:a16="http://schemas.microsoft.com/office/drawing/2014/main" id="{94D75933-A6C5-4EE8-8FE7-81F1851DE42A}"/>
               </a:ext>
             </a:extLst>
           </p:cNvPr>
@@ -6012,12 +6316,7 @@
             <p:ph idx="1"/>
           </p:nvPr>
         </p:nvSpPr>
-        <p:spPr>
-          <a:xfrm>
-            <a:off x="1188641" y="1904999"/>
-            <a:ext cx="9134391" cy="4114801"/>
-          </a:xfrm>
-        </p:spPr>
+        <p:spPr/>
         <p:txBody>
           <a:bodyPr/>
           <a:lstStyle/>
@@ -6034,7 +6333,7 @@
           <p:cNvPr id="4" name="Oval 3">
             <a:extLst>
               <a:ext uri="{FF2B5EF4-FFF2-40B4-BE49-F238E27FC236}">
-                <a16:creationId xmlns:a16="http://schemas.microsoft.com/office/drawing/2014/main" id="{D739D00C-6130-4944-A99E-A4BFB4B97A3D}"/>
+                <a16:creationId xmlns:a16="http://schemas.microsoft.com/office/drawing/2014/main" id="{DF19108F-9595-4B2F-B805-5DEDE89C79D9}"/>
               </a:ext>
             </a:extLst>
           </p:cNvPr>
@@ -6043,8 +6342,60 @@
         </p:nvSpPr>
         <p:spPr>
           <a:xfrm>
-            <a:off x="620151" y="3925722"/>
-            <a:ext cx="2964594" cy="2932278"/>
+            <a:off x="3683274" y="2659062"/>
+            <a:ext cx="2662607" cy="1570938"/>
+          </a:xfrm>
+          <a:prstGeom prst="ellipse">
+            <a:avLst/>
+          </a:prstGeom>
+          <a:solidFill>
+            <a:schemeClr val="accent1"/>
+          </a:solidFill>
+        </p:spPr>
+        <p:style>
+          <a:lnRef idx="2">
+            <a:schemeClr val="accent5">
+              <a:shade val="50000"/>
+            </a:schemeClr>
+          </a:lnRef>
+          <a:fillRef idx="1">
+            <a:schemeClr val="accent5"/>
+          </a:fillRef>
+          <a:effectRef idx="0">
+            <a:schemeClr val="accent5"/>
+          </a:effectRef>
+          <a:fontRef idx="minor">
+            <a:schemeClr val="lt1"/>
+          </a:fontRef>
+        </p:style>
+        <p:txBody>
+          <a:bodyPr rtlCol="0" anchor="ctr"/>
+          <a:lstStyle/>
+          <a:p>
+            <a:pPr algn="ctr"/>
+            <a:r>
+              <a:rPr lang="en-IN" sz="1799" dirty="0"/>
+              <a:t>Marks Attendance and Reflects in Timesheet</a:t>
+            </a:r>
+          </a:p>
+        </p:txBody>
+      </p:sp>
+      <p:sp>
+        <p:nvSpPr>
+          <p:cNvPr id="5" name="Oval 4">
+            <a:extLst>
+              <a:ext uri="{FF2B5EF4-FFF2-40B4-BE49-F238E27FC236}">
+                <a16:creationId xmlns:a16="http://schemas.microsoft.com/office/drawing/2014/main" id="{9F758EE9-0167-4148-8A96-4A6CD45C34C7}"/>
+              </a:ext>
+            </a:extLst>
+          </p:cNvPr>
+          <p:cNvSpPr/>
+          <p:nvPr/>
+        </p:nvSpPr>
+        <p:spPr>
+          <a:xfrm>
+            <a:off x="3683273" y="4589453"/>
+            <a:ext cx="2769112" cy="1260301"/>
           </a:xfrm>
           <a:prstGeom prst="ellipse">
             <a:avLst/>
@@ -6072,39 +6423,25 @@
           <a:p>
             <a:pPr algn="ctr"/>
             <a:r>
-              <a:rPr lang="en-IN" sz="1400" dirty="0"/>
-              <a:t>Option to generate a daily report/view saved drafts (bullets customizable by HLU)</a:t>
+              <a:rPr lang="en-IN" sz="1799" dirty="0"/>
+              <a:t>Apply for Leave</a:t>
             </a:r>
           </a:p>
           <a:p>
             <a:pPr algn="ctr"/>
             <a:r>
-              <a:rPr lang="en-IN" sz="1400" dirty="0"/>
-              <a:t>-- Each shift: Name of activity and hours spent on activity</a:t>
-            </a:r>
-          </a:p>
-          <a:p>
-            <a:pPr algn="ctr"/>
-            <a:r>
-              <a:rPr lang="en-IN" sz="1400" dirty="0"/>
-              <a:t>-- Total hours (adds hours of shifts work)</a:t>
-            </a:r>
-          </a:p>
-          <a:p>
-            <a:pPr algn="ctr"/>
-            <a:r>
-              <a:rPr lang="en-IN" sz="1400" dirty="0"/>
-              <a:t>-- Meetings attended</a:t>
-            </a:r>
-          </a:p>
-        </p:txBody>
-      </p:sp>
-      <p:sp>
-        <p:nvSpPr>
-          <p:cNvPr id="5" name="Oval 4">
+              <a:rPr lang="en-IN" sz="1799" dirty="0"/>
+              <a:t>-- Reason for Leave Request</a:t>
+            </a:r>
+          </a:p>
+        </p:txBody>
+      </p:sp>
+      <p:sp>
+        <p:nvSpPr>
+          <p:cNvPr id="6" name="Rectangle 5">
             <a:extLst>
               <a:ext uri="{FF2B5EF4-FFF2-40B4-BE49-F238E27FC236}">
-                <a16:creationId xmlns:a16="http://schemas.microsoft.com/office/drawing/2014/main" id="{7FF46864-8ECB-44C5-9063-758F01C726C9}"/>
+                <a16:creationId xmlns:a16="http://schemas.microsoft.com/office/drawing/2014/main" id="{4619D806-D697-4699-9EEE-E721DF72A41E}"/>
               </a:ext>
             </a:extLst>
           </p:cNvPr>
@@ -6113,113 +6450,8 @@
         </p:nvSpPr>
         <p:spPr>
           <a:xfrm>
-            <a:off x="3241964" y="1658972"/>
-            <a:ext cx="2592288" cy="2592288"/>
-          </a:xfrm>
-          <a:prstGeom prst="ellipse">
-            <a:avLst/>
-          </a:prstGeom>
-        </p:spPr>
-        <p:style>
-          <a:lnRef idx="2">
-            <a:schemeClr val="accent1">
-              <a:shade val="50000"/>
-            </a:schemeClr>
-          </a:lnRef>
-          <a:fillRef idx="1">
-            <a:schemeClr val="accent1"/>
-          </a:fillRef>
-          <a:effectRef idx="0">
-            <a:schemeClr val="accent1"/>
-          </a:effectRef>
-          <a:fontRef idx="minor">
-            <a:schemeClr val="lt1"/>
-          </a:fontRef>
-        </p:style>
-        <p:txBody>
-          <a:bodyPr rtlCol="0" anchor="ctr"/>
-          <a:lstStyle/>
-          <a:p>
-            <a:pPr algn="ctr"/>
-            <a:r>
-              <a:rPr lang="en-IN" sz="1799" dirty="0"/>
-              <a:t>Send Timesheet for Approval</a:t>
-            </a:r>
-          </a:p>
-          <a:p>
-            <a:pPr algn="ctr"/>
-            <a:r>
-              <a:rPr lang="en-IN" sz="1799" dirty="0"/>
-              <a:t>-- Report sent to HLU automatically at the end of the day</a:t>
-            </a:r>
-          </a:p>
-        </p:txBody>
-      </p:sp>
-      <p:sp>
-        <p:nvSpPr>
-          <p:cNvPr id="6" name="Oval 5">
-            <a:extLst>
-              <a:ext uri="{FF2B5EF4-FFF2-40B4-BE49-F238E27FC236}">
-                <a16:creationId xmlns:a16="http://schemas.microsoft.com/office/drawing/2014/main" id="{1D0954B1-EDBF-4BC1-AC44-FD561A78AEE9}"/>
-              </a:ext>
-            </a:extLst>
-          </p:cNvPr>
-          <p:cNvSpPr/>
-          <p:nvPr/>
-        </p:nvSpPr>
-        <p:spPr>
-          <a:xfrm>
-            <a:off x="5158066" y="4894229"/>
-            <a:ext cx="1872208" cy="1229072"/>
-          </a:xfrm>
-          <a:prstGeom prst="ellipse">
-            <a:avLst/>
-          </a:prstGeom>
-        </p:spPr>
-        <p:style>
-          <a:lnRef idx="2">
-            <a:schemeClr val="accent1">
-              <a:shade val="50000"/>
-            </a:schemeClr>
-          </a:lnRef>
-          <a:fillRef idx="1">
-            <a:schemeClr val="accent1"/>
-          </a:fillRef>
-          <a:effectRef idx="0">
-            <a:schemeClr val="accent1"/>
-          </a:effectRef>
-          <a:fontRef idx="minor">
-            <a:schemeClr val="lt1"/>
-          </a:fontRef>
-        </p:style>
-        <p:txBody>
-          <a:bodyPr rtlCol="0" anchor="ctr"/>
-          <a:lstStyle/>
-          <a:p>
-            <a:pPr algn="ctr"/>
-            <a:r>
-              <a:rPr lang="en-IN" dirty="0"/>
-              <a:t>Save as Draft to customize</a:t>
-            </a:r>
-          </a:p>
-        </p:txBody>
-      </p:sp>
-      <p:sp>
-        <p:nvSpPr>
-          <p:cNvPr id="7" name="Rectangle 6">
-            <a:extLst>
-              <a:ext uri="{FF2B5EF4-FFF2-40B4-BE49-F238E27FC236}">
-                <a16:creationId xmlns:a16="http://schemas.microsoft.com/office/drawing/2014/main" id="{D011787C-786B-4FC2-848C-4614EAD7E707}"/>
-              </a:ext>
-            </a:extLst>
-          </p:cNvPr>
-          <p:cNvSpPr/>
-          <p:nvPr/>
-        </p:nvSpPr>
-        <p:spPr>
-          <a:xfrm>
-            <a:off x="1232046" y="2124983"/>
-            <a:ext cx="1440160" cy="1204086"/>
+            <a:off x="1295802" y="2814381"/>
+            <a:ext cx="1757320" cy="2769110"/>
           </a:xfrm>
           <a:prstGeom prst="rect">
             <a:avLst/>
@@ -6247,7 +6479,7 @@
           <a:p>
             <a:pPr algn="ctr"/>
             <a:r>
-              <a:rPr lang="en-IN" dirty="0"/>
+              <a:rPr lang="en-IN" sz="1799" dirty="0"/>
               <a:t>Button</a:t>
             </a:r>
           </a:p>
@@ -6255,24 +6487,24 @@
       </p:sp>
       <p:cxnSp>
         <p:nvCxnSpPr>
-          <p:cNvPr id="9" name="Straight Arrow Connector 8">
+          <p:cNvPr id="8" name="Straight Arrow Connector 7">
             <a:extLst>
               <a:ext uri="{FF2B5EF4-FFF2-40B4-BE49-F238E27FC236}">
-                <a16:creationId xmlns:a16="http://schemas.microsoft.com/office/drawing/2014/main" id="{4C3341C2-22A6-4DA8-91DC-1683A089E562}"/>
+                <a16:creationId xmlns:a16="http://schemas.microsoft.com/office/drawing/2014/main" id="{49ED6176-5850-4397-BB05-B832CF1B59BE}"/>
               </a:ext>
             </a:extLst>
           </p:cNvPr>
           <p:cNvCxnSpPr>
             <a:cxnSpLocks/>
-            <a:stCxn id="7" idx="2"/>
-            <a:endCxn id="4" idx="0"/>
+            <a:stCxn id="6" idx="3"/>
+            <a:endCxn id="4" idx="2"/>
           </p:cNvCxnSpPr>
           <p:nvPr/>
         </p:nvCxnSpPr>
         <p:spPr>
-          <a:xfrm>
-            <a:off x="1952126" y="3329069"/>
-            <a:ext cx="150322" cy="596653"/>
+          <a:xfrm flipV="1">
+            <a:off x="3053122" y="3444531"/>
+            <a:ext cx="630152" cy="754405"/>
           </a:xfrm>
           <a:prstGeom prst="straightConnector1">
             <a:avLst/>
@@ -6298,24 +6530,109 @@
       </p:cxnSp>
       <p:cxnSp>
         <p:nvCxnSpPr>
-          <p:cNvPr id="11" name="Straight Arrow Connector 10">
+          <p:cNvPr id="10" name="Straight Arrow Connector 9">
             <a:extLst>
               <a:ext uri="{FF2B5EF4-FFF2-40B4-BE49-F238E27FC236}">
-                <a16:creationId xmlns:a16="http://schemas.microsoft.com/office/drawing/2014/main" id="{F795DFC2-D9AA-4CA2-83F2-E789811A8850}"/>
+                <a16:creationId xmlns:a16="http://schemas.microsoft.com/office/drawing/2014/main" id="{C0B9F1B8-2D8B-4D4F-BE5F-978848471B79}"/>
               </a:ext>
             </a:extLst>
           </p:cNvPr>
           <p:cNvCxnSpPr>
             <a:cxnSpLocks/>
-            <a:stCxn id="4" idx="7"/>
-            <a:endCxn id="5" idx="3"/>
+            <a:stCxn id="6" idx="3"/>
           </p:cNvCxnSpPr>
           <p:nvPr/>
         </p:nvCxnSpPr>
         <p:spPr>
-          <a:xfrm flipV="1">
-            <a:off x="3150590" y="3871628"/>
-            <a:ext cx="471006" cy="483516"/>
+          <a:xfrm>
+            <a:off x="3053122" y="4198936"/>
+            <a:ext cx="1180424" cy="514773"/>
+          </a:xfrm>
+          <a:prstGeom prst="straightConnector1">
+            <a:avLst/>
+          </a:prstGeom>
+          <a:ln>
+            <a:tailEnd type="triangle"/>
+          </a:ln>
+        </p:spPr>
+        <p:style>
+          <a:lnRef idx="1">
+            <a:schemeClr val="accent1"/>
+          </a:lnRef>
+          <a:fillRef idx="0">
+            <a:schemeClr val="accent1"/>
+          </a:fillRef>
+          <a:effectRef idx="0">
+            <a:schemeClr val="accent1"/>
+          </a:effectRef>
+          <a:fontRef idx="minor">
+            <a:schemeClr val="tx1"/>
+          </a:fontRef>
+        </p:style>
+      </p:cxnSp>
+      <p:sp>
+        <p:nvSpPr>
+          <p:cNvPr id="12" name="Cylinder 11">
+            <a:extLst>
+              <a:ext uri="{FF2B5EF4-FFF2-40B4-BE49-F238E27FC236}">
+                <a16:creationId xmlns:a16="http://schemas.microsoft.com/office/drawing/2014/main" id="{7B15FAD7-88C6-46DC-B5F6-C3DF358EFD1B}"/>
+              </a:ext>
+            </a:extLst>
+          </p:cNvPr>
+          <p:cNvSpPr/>
+          <p:nvPr/>
+        </p:nvSpPr>
+        <p:spPr>
+          <a:xfrm>
+            <a:off x="7703811" y="2268547"/>
+            <a:ext cx="2063010" cy="3314946"/>
+          </a:xfrm>
+          <a:prstGeom prst="can">
+            <a:avLst/>
+          </a:prstGeom>
+        </p:spPr>
+        <p:style>
+          <a:lnRef idx="3">
+            <a:schemeClr val="lt1"/>
+          </a:lnRef>
+          <a:fillRef idx="1">
+            <a:schemeClr val="accent6"/>
+          </a:fillRef>
+          <a:effectRef idx="1">
+            <a:schemeClr val="accent6"/>
+          </a:effectRef>
+          <a:fontRef idx="minor">
+            <a:schemeClr val="lt1"/>
+          </a:fontRef>
+        </p:style>
+        <p:txBody>
+          <a:bodyPr rtlCol="0" anchor="ctr"/>
+          <a:lstStyle/>
+          <a:p>
+            <a:pPr algn="ctr"/>
+            <a:r>
+              <a:rPr lang="en-IN" sz="1799" dirty="0"/>
+              <a:t>Timesheet DB</a:t>
+            </a:r>
+          </a:p>
+        </p:txBody>
+      </p:sp>
+      <p:cxnSp>
+        <p:nvCxnSpPr>
+          <p:cNvPr id="14" name="Straight Arrow Connector 13">
+            <a:extLst>
+              <a:ext uri="{FF2B5EF4-FFF2-40B4-BE49-F238E27FC236}">
+                <a16:creationId xmlns:a16="http://schemas.microsoft.com/office/drawing/2014/main" id="{45322476-4498-471E-AF07-375AA0AA4C9E}"/>
+              </a:ext>
+            </a:extLst>
+          </p:cNvPr>
+          <p:cNvCxnSpPr/>
+          <p:nvPr/>
+        </p:nvCxnSpPr>
+        <p:spPr>
+          <a:xfrm>
+            <a:off x="6345881" y="3429001"/>
+            <a:ext cx="1357929" cy="512551"/>
           </a:xfrm>
           <a:prstGeom prst="straightConnector1">
             <a:avLst/>
@@ -6341,380 +6658,22 @@
       </p:cxnSp>
       <p:cxnSp>
         <p:nvCxnSpPr>
-          <p:cNvPr id="13" name="Straight Arrow Connector 12">
+          <p:cNvPr id="16" name="Straight Arrow Connector 15">
             <a:extLst>
               <a:ext uri="{FF2B5EF4-FFF2-40B4-BE49-F238E27FC236}">
-                <a16:creationId xmlns:a16="http://schemas.microsoft.com/office/drawing/2014/main" id="{2636E9E3-45C4-4DEC-B87E-31004AE04120}"/>
+                <a16:creationId xmlns:a16="http://schemas.microsoft.com/office/drawing/2014/main" id="{1CE74652-4923-4A8A-A1F5-663FEB11920E}"/>
               </a:ext>
             </a:extLst>
           </p:cNvPr>
           <p:cNvCxnSpPr>
             <a:cxnSpLocks/>
-            <a:stCxn id="4" idx="6"/>
-            <a:endCxn id="6" idx="2"/>
           </p:cNvCxnSpPr>
           <p:nvPr/>
         </p:nvCxnSpPr>
         <p:spPr>
-          <a:xfrm>
-            <a:off x="3584745" y="5391861"/>
-            <a:ext cx="1573321" cy="116904"/>
-          </a:xfrm>
-          <a:prstGeom prst="straightConnector1">
-            <a:avLst/>
-          </a:prstGeom>
-          <a:ln>
-            <a:tailEnd type="triangle"/>
-          </a:ln>
-        </p:spPr>
-        <p:style>
-          <a:lnRef idx="1">
-            <a:schemeClr val="accent1"/>
-          </a:lnRef>
-          <a:fillRef idx="0">
-            <a:schemeClr val="accent1"/>
-          </a:fillRef>
-          <a:effectRef idx="0">
-            <a:schemeClr val="accent1"/>
-          </a:effectRef>
-          <a:fontRef idx="minor">
-            <a:schemeClr val="tx1"/>
-          </a:fontRef>
-        </p:style>
-      </p:cxnSp>
-      <p:pic>
-        <p:nvPicPr>
-          <p:cNvPr id="16" name="Picture 15">
-            <a:extLst>
-              <a:ext uri="{FF2B5EF4-FFF2-40B4-BE49-F238E27FC236}">
-                <a16:creationId xmlns:a16="http://schemas.microsoft.com/office/drawing/2014/main" id="{48A4C516-3A70-407B-A5A3-293B3E94B07C}"/>
-              </a:ext>
-            </a:extLst>
-          </p:cNvPr>
-          <p:cNvPicPr>
-            <a:picLocks noChangeAspect="1"/>
-          </p:cNvPicPr>
-          <p:nvPr/>
-        </p:nvPicPr>
-        <p:blipFill>
-          <a:blip r:embed="rId2"/>
-          <a:stretch>
-            <a:fillRect/>
-          </a:stretch>
-        </p:blipFill>
-        <p:spPr>
-          <a:xfrm>
-            <a:off x="6873710" y="333392"/>
-            <a:ext cx="2078916" cy="3350216"/>
-          </a:xfrm>
-          <a:prstGeom prst="rect">
-            <a:avLst/>
-          </a:prstGeom>
-        </p:spPr>
-      </p:pic>
-      <p:sp>
-        <p:nvSpPr>
-          <p:cNvPr id="36" name="Oval 35">
-            <a:extLst>
-              <a:ext uri="{FF2B5EF4-FFF2-40B4-BE49-F238E27FC236}">
-                <a16:creationId xmlns:a16="http://schemas.microsoft.com/office/drawing/2014/main" id="{308B59BB-2EE7-4507-9B26-016F4621E185}"/>
-              </a:ext>
-            </a:extLst>
-          </p:cNvPr>
-          <p:cNvSpPr/>
-          <p:nvPr/>
-        </p:nvSpPr>
-        <p:spPr>
-          <a:xfrm>
-            <a:off x="9755260" y="1156192"/>
-            <a:ext cx="2114561" cy="1650017"/>
-          </a:xfrm>
-          <a:prstGeom prst="ellipse">
-            <a:avLst/>
-          </a:prstGeom>
-        </p:spPr>
-        <p:style>
-          <a:lnRef idx="2">
-            <a:schemeClr val="accent1">
-              <a:shade val="50000"/>
-            </a:schemeClr>
-          </a:lnRef>
-          <a:fillRef idx="1">
-            <a:schemeClr val="accent1"/>
-          </a:fillRef>
-          <a:effectRef idx="0">
-            <a:schemeClr val="accent1"/>
-          </a:effectRef>
-          <a:fontRef idx="minor">
-            <a:schemeClr val="lt1"/>
-          </a:fontRef>
-        </p:style>
-        <p:txBody>
-          <a:bodyPr rtlCol="0" anchor="ctr"/>
-          <a:lstStyle/>
-          <a:p>
-            <a:pPr algn="ctr"/>
-            <a:r>
-              <a:rPr lang="en-IN" dirty="0"/>
-              <a:t>Option to approve timesheets (HLU function)</a:t>
-            </a:r>
-          </a:p>
-        </p:txBody>
-      </p:sp>
-      <p:sp>
-        <p:nvSpPr>
-          <p:cNvPr id="37" name="Rectangle 36">
-            <a:extLst>
-              <a:ext uri="{FF2B5EF4-FFF2-40B4-BE49-F238E27FC236}">
-                <a16:creationId xmlns:a16="http://schemas.microsoft.com/office/drawing/2014/main" id="{9BE3AA4A-6023-4000-9702-FFF9787CCC0C}"/>
-              </a:ext>
-            </a:extLst>
-          </p:cNvPr>
-          <p:cNvSpPr/>
-          <p:nvPr/>
-        </p:nvSpPr>
-        <p:spPr>
-          <a:xfrm>
-            <a:off x="10028721" y="3380656"/>
-            <a:ext cx="1567641" cy="3096344"/>
-          </a:xfrm>
-          <a:prstGeom prst="rect">
-            <a:avLst/>
-          </a:prstGeom>
-        </p:spPr>
-        <p:style>
-          <a:lnRef idx="2">
-            <a:schemeClr val="accent3">
-              <a:shade val="50000"/>
-            </a:schemeClr>
-          </a:lnRef>
-          <a:fillRef idx="1">
-            <a:schemeClr val="accent3"/>
-          </a:fillRef>
-          <a:effectRef idx="0">
-            <a:schemeClr val="accent3"/>
-          </a:effectRef>
-          <a:fontRef idx="minor">
-            <a:schemeClr val="lt1"/>
-          </a:fontRef>
-        </p:style>
-        <p:txBody>
-          <a:bodyPr rtlCol="0" anchor="ctr"/>
-          <a:lstStyle/>
-          <a:p>
-            <a:pPr algn="ctr"/>
-            <a:r>
-              <a:rPr lang="en-IN" dirty="0"/>
-              <a:t>Displays List of timesheets to be approved</a:t>
-            </a:r>
-          </a:p>
-          <a:p>
-            <a:pPr algn="ctr"/>
-            <a:r>
-              <a:rPr lang="en-IN" dirty="0"/>
-              <a:t>(When clicked opens reports on a new page)</a:t>
-            </a:r>
-          </a:p>
-        </p:txBody>
-      </p:sp>
-      <p:cxnSp>
-        <p:nvCxnSpPr>
-          <p:cNvPr id="39" name="Straight Arrow Connector 38">
-            <a:extLst>
-              <a:ext uri="{FF2B5EF4-FFF2-40B4-BE49-F238E27FC236}">
-                <a16:creationId xmlns:a16="http://schemas.microsoft.com/office/drawing/2014/main" id="{3BFF5858-AF22-4E9E-8053-6315A7B90413}"/>
-              </a:ext>
-            </a:extLst>
-          </p:cNvPr>
-          <p:cNvCxnSpPr>
-            <a:cxnSpLocks/>
-            <a:stCxn id="6" idx="6"/>
-            <a:endCxn id="40" idx="2"/>
-          </p:cNvCxnSpPr>
-          <p:nvPr/>
-        </p:nvCxnSpPr>
-        <p:spPr>
-          <a:xfrm>
-            <a:off x="7030274" y="5508765"/>
-            <a:ext cx="1273330" cy="48899"/>
-          </a:xfrm>
-          <a:prstGeom prst="straightConnector1">
-            <a:avLst/>
-          </a:prstGeom>
-          <a:ln>
-            <a:tailEnd type="triangle"/>
-          </a:ln>
-        </p:spPr>
-        <p:style>
-          <a:lnRef idx="1">
-            <a:schemeClr val="accent1"/>
-          </a:lnRef>
-          <a:fillRef idx="0">
-            <a:schemeClr val="accent1"/>
-          </a:fillRef>
-          <a:effectRef idx="0">
-            <a:schemeClr val="accent1"/>
-          </a:effectRef>
-          <a:fontRef idx="minor">
-            <a:schemeClr val="tx1"/>
-          </a:fontRef>
-        </p:style>
-      </p:cxnSp>
-      <p:sp>
-        <p:nvSpPr>
-          <p:cNvPr id="40" name="Flowchart: Magnetic Disk 39">
-            <a:extLst>
-              <a:ext uri="{FF2B5EF4-FFF2-40B4-BE49-F238E27FC236}">
-                <a16:creationId xmlns:a16="http://schemas.microsoft.com/office/drawing/2014/main" id="{CDDA502D-813E-4C3D-9E25-BF2AA7F77101}"/>
-              </a:ext>
-            </a:extLst>
-          </p:cNvPr>
-          <p:cNvSpPr/>
-          <p:nvPr/>
-        </p:nvSpPr>
-        <p:spPr>
-          <a:xfrm>
-            <a:off x="8303604" y="4849501"/>
-            <a:ext cx="1113711" cy="1416326"/>
-          </a:xfrm>
-          <a:prstGeom prst="flowChartMagneticDisk">
-            <a:avLst/>
-          </a:prstGeom>
-        </p:spPr>
-        <p:style>
-          <a:lnRef idx="2">
-            <a:schemeClr val="accent6">
-              <a:shade val="50000"/>
-            </a:schemeClr>
-          </a:lnRef>
-          <a:fillRef idx="1">
-            <a:schemeClr val="accent6"/>
-          </a:fillRef>
-          <a:effectRef idx="0">
-            <a:schemeClr val="accent6"/>
-          </a:effectRef>
-          <a:fontRef idx="minor">
-            <a:schemeClr val="lt1"/>
-          </a:fontRef>
-        </p:style>
-        <p:txBody>
-          <a:bodyPr rtlCol="0" anchor="ctr"/>
-          <a:lstStyle/>
-          <a:p>
-            <a:pPr algn="ctr"/>
-            <a:r>
-              <a:rPr lang="en-IN" dirty="0"/>
-              <a:t>User’s local Storage</a:t>
-            </a:r>
-          </a:p>
-        </p:txBody>
-      </p:sp>
-      <p:cxnSp>
-        <p:nvCxnSpPr>
-          <p:cNvPr id="45" name="Straight Arrow Connector 44">
-            <a:extLst>
-              <a:ext uri="{FF2B5EF4-FFF2-40B4-BE49-F238E27FC236}">
-                <a16:creationId xmlns:a16="http://schemas.microsoft.com/office/drawing/2014/main" id="{32C63359-11FF-48B9-A2E1-A22B3C9F0334}"/>
-              </a:ext>
-            </a:extLst>
-          </p:cNvPr>
-          <p:cNvCxnSpPr>
-            <a:cxnSpLocks/>
-            <a:stCxn id="5" idx="6"/>
-            <a:endCxn id="16" idx="1"/>
-          </p:cNvCxnSpPr>
-          <p:nvPr/>
-        </p:nvCxnSpPr>
-        <p:spPr>
           <a:xfrm flipV="1">
-            <a:off x="5834252" y="2008500"/>
-            <a:ext cx="1039458" cy="946616"/>
-          </a:xfrm>
-          <a:prstGeom prst="straightConnector1">
-            <a:avLst/>
-          </a:prstGeom>
-          <a:ln>
-            <a:tailEnd type="triangle"/>
-          </a:ln>
-        </p:spPr>
-        <p:style>
-          <a:lnRef idx="1">
-            <a:schemeClr val="accent1"/>
-          </a:lnRef>
-          <a:fillRef idx="0">
-            <a:schemeClr val="accent1"/>
-          </a:fillRef>
-          <a:effectRef idx="0">
-            <a:schemeClr val="accent1"/>
-          </a:effectRef>
-          <a:fontRef idx="minor">
-            <a:schemeClr val="tx1"/>
-          </a:fontRef>
-        </p:style>
-      </p:cxnSp>
-      <p:cxnSp>
-        <p:nvCxnSpPr>
-          <p:cNvPr id="47" name="Straight Arrow Connector 46">
-            <a:extLst>
-              <a:ext uri="{FF2B5EF4-FFF2-40B4-BE49-F238E27FC236}">
-                <a16:creationId xmlns:a16="http://schemas.microsoft.com/office/drawing/2014/main" id="{0472A606-1968-4E25-B090-C0AA6A371F6A}"/>
-              </a:ext>
-            </a:extLst>
-          </p:cNvPr>
-          <p:cNvCxnSpPr>
-            <a:cxnSpLocks/>
-            <a:stCxn id="36" idx="4"/>
-            <a:endCxn id="37" idx="0"/>
-          </p:cNvCxnSpPr>
-          <p:nvPr/>
-        </p:nvCxnSpPr>
-        <p:spPr>
-          <a:xfrm>
-            <a:off x="10812541" y="2806209"/>
-            <a:ext cx="1" cy="574447"/>
-          </a:xfrm>
-          <a:prstGeom prst="straightConnector1">
-            <a:avLst/>
-          </a:prstGeom>
-          <a:ln>
-            <a:tailEnd type="triangle"/>
-          </a:ln>
-        </p:spPr>
-        <p:style>
-          <a:lnRef idx="1">
-            <a:schemeClr val="accent1"/>
-          </a:lnRef>
-          <a:fillRef idx="0">
-            <a:schemeClr val="accent1"/>
-          </a:fillRef>
-          <a:effectRef idx="0">
-            <a:schemeClr val="accent1"/>
-          </a:effectRef>
-          <a:fontRef idx="minor">
-            <a:schemeClr val="tx1"/>
-          </a:fontRef>
-        </p:style>
-      </p:cxnSp>
-      <p:cxnSp>
-        <p:nvCxnSpPr>
-          <p:cNvPr id="50" name="Straight Arrow Connector 49">
-            <a:extLst>
-              <a:ext uri="{FF2B5EF4-FFF2-40B4-BE49-F238E27FC236}">
-                <a16:creationId xmlns:a16="http://schemas.microsoft.com/office/drawing/2014/main" id="{0D04D10C-686B-4D8A-8B96-B4EAAE9DDAA4}"/>
-              </a:ext>
-            </a:extLst>
-          </p:cNvPr>
-          <p:cNvCxnSpPr>
-            <a:cxnSpLocks/>
-            <a:stCxn id="16" idx="3"/>
-            <a:endCxn id="36" idx="2"/>
-          </p:cNvCxnSpPr>
-          <p:nvPr/>
-        </p:nvCxnSpPr>
-        <p:spPr>
-          <a:xfrm flipV="1">
-            <a:off x="8952626" y="1981201"/>
-            <a:ext cx="802634" cy="27299"/>
+            <a:off x="6452385" y="4589453"/>
+            <a:ext cx="1251425" cy="585774"/>
           </a:xfrm>
           <a:prstGeom prst="straightConnector1">
             <a:avLst/>
@@ -6741,7 +6700,7 @@
     </p:spTree>
     <p:extLst>
       <p:ext uri="{BB962C8B-B14F-4D97-AF65-F5344CB8AC3E}">
-        <p14:creationId xmlns:p14="http://schemas.microsoft.com/office/powerpoint/2010/main" val="2788204139"/>
+        <p14:creationId xmlns:p14="http://schemas.microsoft.com/office/powerpoint/2010/main" val="3491355351"/>
       </p:ext>
     </p:extLst>
   </p:cSld>

--- a/SubRoutine Diagrams/Time Tracker.pptx
+++ b/SubRoutine Diagrams/Time Tracker.pptx
@@ -4901,34 +4901,6 @@
       </p:sp>
       <p:sp>
         <p:nvSpPr>
-          <p:cNvPr id="3" name="Content Placeholder 2">
-            <a:extLst>
-              <a:ext uri="{FF2B5EF4-FFF2-40B4-BE49-F238E27FC236}">
-                <a16:creationId xmlns:a16="http://schemas.microsoft.com/office/drawing/2014/main" id="{1A8A1A7B-06BD-415F-AC8D-DB945B0035AA}"/>
-              </a:ext>
-            </a:extLst>
-          </p:cNvPr>
-          <p:cNvSpPr>
-            <a:spLocks noGrp="1"/>
-          </p:cNvSpPr>
-          <p:nvPr>
-            <p:ph idx="1"/>
-          </p:nvPr>
-        </p:nvSpPr>
-        <p:spPr/>
-        <p:txBody>
-          <a:bodyPr/>
-          <a:lstStyle/>
-          <a:p>
-            <a:pPr marL="0" indent="0">
-              <a:buNone/>
-            </a:pPr>
-            <a:endParaRPr lang="en-IN" dirty="0"/>
-          </a:p>
-        </p:txBody>
-      </p:sp>
-      <p:sp>
-        <p:nvSpPr>
           <p:cNvPr id="4" name="Oval 3">
             <a:extLst>
               <a:ext uri="{FF2B5EF4-FFF2-40B4-BE49-F238E27FC236}">
@@ -5670,39 +5642,6 @@
       </p:sp>
       <p:sp>
         <p:nvSpPr>
-          <p:cNvPr id="3" name="Content Placeholder 2">
-            <a:extLst>
-              <a:ext uri="{FF2B5EF4-FFF2-40B4-BE49-F238E27FC236}">
-                <a16:creationId xmlns:a16="http://schemas.microsoft.com/office/drawing/2014/main" id="{7FE7A0F9-D607-4CB5-96CB-B71112E75F3B}"/>
-              </a:ext>
-            </a:extLst>
-          </p:cNvPr>
-          <p:cNvSpPr>
-            <a:spLocks noGrp="1"/>
-          </p:cNvSpPr>
-          <p:nvPr>
-            <p:ph idx="1"/>
-          </p:nvPr>
-        </p:nvSpPr>
-        <p:spPr>
-          <a:xfrm>
-            <a:off x="1188641" y="1904999"/>
-            <a:ext cx="9134391" cy="4114801"/>
-          </a:xfrm>
-        </p:spPr>
-        <p:txBody>
-          <a:bodyPr/>
-          <a:lstStyle/>
-          <a:p>
-            <a:pPr marL="0" indent="0">
-              <a:buNone/>
-            </a:pPr>
-            <a:endParaRPr lang="en-IN" dirty="0"/>
-          </a:p>
-        </p:txBody>
-      </p:sp>
-      <p:sp>
-        <p:nvSpPr>
           <p:cNvPr id="4" name="Oval 3">
             <a:extLst>
               <a:ext uri="{FF2B5EF4-FFF2-40B4-BE49-F238E27FC236}">
@@ -6296,34 +6235,6 @@
               <a:rPr lang="en-US" dirty="0"/>
               <a:t> Activities</a:t>
             </a:r>
-            <a:endParaRPr lang="en-IN" dirty="0"/>
-          </a:p>
-        </p:txBody>
-      </p:sp>
-      <p:sp>
-        <p:nvSpPr>
-          <p:cNvPr id="3" name="Content Placeholder 2">
-            <a:extLst>
-              <a:ext uri="{FF2B5EF4-FFF2-40B4-BE49-F238E27FC236}">
-                <a16:creationId xmlns:a16="http://schemas.microsoft.com/office/drawing/2014/main" id="{94D75933-A6C5-4EE8-8FE7-81F1851DE42A}"/>
-              </a:ext>
-            </a:extLst>
-          </p:cNvPr>
-          <p:cNvSpPr>
-            <a:spLocks noGrp="1"/>
-          </p:cNvSpPr>
-          <p:nvPr>
-            <p:ph idx="1"/>
-          </p:nvPr>
-        </p:nvSpPr>
-        <p:spPr/>
-        <p:txBody>
-          <a:bodyPr/>
-          <a:lstStyle/>
-          <a:p>
-            <a:pPr marL="0" indent="0">
-              <a:buNone/>
-            </a:pPr>
             <a:endParaRPr lang="en-IN" dirty="0"/>
           </a:p>
         </p:txBody>

--- a/SubRoutine Diagrams/Time Tracker.pptx
+++ b/SubRoutine Diagrams/Time Tracker.pptx
@@ -223,7 +223,7 @@
           <a:p>
             <a:fld id="{59088EAF-6ECA-4616-85EF-35AA19C641F3}" type="datetimeFigureOut">
               <a:rPr lang="en-US"/>
-              <a:t>5/20/2020</a:t>
+              <a:t>5/21/2020</a:t>
             </a:fld>
             <a:endParaRPr/>
           </a:p>
@@ -388,7 +388,7 @@
           <a:p>
             <a:fld id="{3ABD2D7A-D230-4F91-BD59-0A39C2703BA8}" type="datetimeFigureOut">
               <a:rPr lang="en-US"/>
-              <a:t>5/20/2020</a:t>
+              <a:t>5/21/2020</a:t>
             </a:fld>
             <a:endParaRPr/>
           </a:p>
@@ -650,6 +650,93 @@
 </p:notesMaster>
 </file>
 
+<file path=ppt/notesSlides/notesSlide1.xml><?xml version="1.0" encoding="utf-8"?>
+<p:notes xmlns:a="http://schemas.openxmlformats.org/drawingml/2006/main" xmlns:r="http://schemas.openxmlformats.org/officeDocument/2006/relationships" xmlns:p="http://schemas.openxmlformats.org/presentationml/2006/main">
+  <p:cSld>
+    <p:spTree>
+      <p:nvGrpSpPr>
+        <p:cNvPr id="1" name=""/>
+        <p:cNvGrpSpPr/>
+        <p:nvPr/>
+      </p:nvGrpSpPr>
+      <p:grpSpPr>
+        <a:xfrm>
+          <a:off x="0" y="0"/>
+          <a:ext cx="0" cy="0"/>
+          <a:chOff x="0" y="0"/>
+          <a:chExt cx="0" cy="0"/>
+        </a:xfrm>
+      </p:grpSpPr>
+      <p:sp>
+        <p:nvSpPr>
+          <p:cNvPr id="2" name="Slide Image Placeholder 1"/>
+          <p:cNvSpPr>
+            <a:spLocks noGrp="1" noRot="1" noChangeAspect="1"/>
+          </p:cNvSpPr>
+          <p:nvPr>
+            <p:ph type="sldImg"/>
+          </p:nvPr>
+        </p:nvSpPr>
+        <p:spPr/>
+      </p:sp>
+      <p:sp>
+        <p:nvSpPr>
+          <p:cNvPr id="3" name="Notes Placeholder 2"/>
+          <p:cNvSpPr>
+            <a:spLocks noGrp="1"/>
+          </p:cNvSpPr>
+          <p:nvPr>
+            <p:ph type="body" idx="1"/>
+          </p:nvPr>
+        </p:nvSpPr>
+        <p:spPr/>
+        <p:txBody>
+          <a:bodyPr/>
+          <a:lstStyle/>
+          <a:p>
+            <a:r>
+              <a:rPr lang="en-IN" dirty="0"/>
+              <a:t>Add S8 and S9 </a:t>
+            </a:r>
+          </a:p>
+        </p:txBody>
+      </p:sp>
+      <p:sp>
+        <p:nvSpPr>
+          <p:cNvPr id="4" name="Slide Number Placeholder 3"/>
+          <p:cNvSpPr>
+            <a:spLocks noGrp="1"/>
+          </p:cNvSpPr>
+          <p:nvPr>
+            <p:ph type="sldNum" sz="quarter" idx="5"/>
+          </p:nvPr>
+        </p:nvSpPr>
+        <p:spPr/>
+        <p:txBody>
+          <a:bodyPr/>
+          <a:lstStyle/>
+          <a:p>
+            <a:fld id="{F93199CD-3E1B-4AE6-990F-76F925F5EA9F}" type="slidenum">
+              <a:rPr lang="en-IN" smtClean="0"/>
+              <a:t>7</a:t>
+            </a:fld>
+            <a:endParaRPr lang="en-IN"/>
+          </a:p>
+        </p:txBody>
+      </p:sp>
+    </p:spTree>
+    <p:extLst>
+      <p:ext uri="{BB962C8B-B14F-4D97-AF65-F5344CB8AC3E}">
+        <p14:creationId xmlns:p14="http://schemas.microsoft.com/office/powerpoint/2010/main" val="1972360801"/>
+      </p:ext>
+    </p:extLst>
+  </p:cSld>
+  <p:clrMapOvr>
+    <a:masterClrMapping/>
+  </p:clrMapOvr>
+</p:notes>
+</file>
+
 <file path=ppt/slideLayouts/slideLayout1.xml><?xml version="1.0" encoding="utf-8"?>
 <p:sldLayout xmlns:a="http://schemas.openxmlformats.org/drawingml/2006/main" xmlns:r="http://schemas.openxmlformats.org/officeDocument/2006/relationships" xmlns:p="http://schemas.openxmlformats.org/presentationml/2006/main" type="title" preserve="1">
   <p:cSld name="Title Slide">
@@ -997,7 +1084,7 @@
           <a:p>
             <a:fld id="{03F41C87-7AD9-4845-A077-840E4A0F3F06}" type="datetimeFigureOut">
               <a:rPr lang="en-US"/>
-              <a:t>5/20/2020</a:t>
+              <a:t>5/21/2020</a:t>
             </a:fld>
             <a:endParaRPr/>
           </a:p>
@@ -1189,7 +1276,7 @@
           <a:p>
             <a:fld id="{03F41C87-7AD9-4845-A077-840E4A0F3F06}" type="datetimeFigureOut">
               <a:rPr lang="en-US"/>
-              <a:t>5/20/2020</a:t>
+              <a:t>5/21/2020</a:t>
             </a:fld>
             <a:endParaRPr/>
           </a:p>
@@ -1378,7 +1465,7 @@
           <a:p>
             <a:fld id="{03F41C87-7AD9-4845-A077-840E4A0F3F06}" type="datetimeFigureOut">
               <a:rPr lang="en-US"/>
-              <a:t>5/20/2020</a:t>
+              <a:t>5/21/2020</a:t>
             </a:fld>
             <a:endParaRPr/>
           </a:p>
@@ -1658,7 +1745,7 @@
           <a:p>
             <a:fld id="{03F41C87-7AD9-4845-A077-840E4A0F3F06}" type="datetimeFigureOut">
               <a:rPr lang="en-US"/>
-              <a:t>5/20/2020</a:t>
+              <a:t>5/21/2020</a:t>
             </a:fld>
             <a:endParaRPr/>
           </a:p>
@@ -1962,7 +2049,7 @@
           <a:p>
             <a:fld id="{03F41C87-7AD9-4845-A077-840E4A0F3F06}" type="datetimeFigureOut">
               <a:rPr lang="en-US"/>
-              <a:t>5/20/2020</a:t>
+              <a:t>5/21/2020</a:t>
             </a:fld>
             <a:endParaRPr/>
           </a:p>
@@ -2418,7 +2505,7 @@
           <a:p>
             <a:fld id="{03F41C87-7AD9-4845-A077-840E4A0F3F06}" type="datetimeFigureOut">
               <a:rPr lang="en-US"/>
-              <a:t>5/20/2020</a:t>
+              <a:t>5/21/2020</a:t>
             </a:fld>
             <a:endParaRPr/>
           </a:p>
@@ -2548,7 +2635,7 @@
           <a:p>
             <a:fld id="{03F41C87-7AD9-4845-A077-840E4A0F3F06}" type="datetimeFigureOut">
               <a:rPr lang="en-US"/>
-              <a:t>5/20/2020</a:t>
+              <a:t>5/21/2020</a:t>
             </a:fld>
             <a:endParaRPr/>
           </a:p>
@@ -2663,7 +2750,7 @@
           <a:p>
             <a:fld id="{03F41C87-7AD9-4845-A077-840E4A0F3F06}" type="datetimeFigureOut">
               <a:rPr lang="en-US"/>
-              <a:t>5/20/2020</a:t>
+              <a:t>5/21/2020</a:t>
             </a:fld>
             <a:endParaRPr/>
           </a:p>
@@ -2985,7 +3072,7 @@
           <a:p>
             <a:fld id="{03F41C87-7AD9-4845-A077-840E4A0F3F06}" type="datetimeFigureOut">
               <a:rPr lang="en-US"/>
-              <a:t>5/20/2020</a:t>
+              <a:t>5/21/2020</a:t>
             </a:fld>
             <a:endParaRPr/>
           </a:p>
@@ -3297,7 +3384,7 @@
             <a:fld id="{03F41C87-7AD9-4845-A077-840E4A0F3F06}" type="datetimeFigureOut">
               <a:rPr lang="en-US"/>
               <a:pPr/>
-              <a:t>5/20/2020</a:t>
+              <a:t>5/21/2020</a:t>
             </a:fld>
             <a:endParaRPr/>
           </a:p>
@@ -3551,7 +3638,7 @@
             <a:fld id="{03F41C87-7AD9-4845-A077-840E4A0F3F06}" type="datetimeFigureOut">
               <a:rPr lang="en-US" smtClean="0"/>
               <a:pPr/>
-              <a:t>5/20/2020</a:t>
+              <a:t>5/21/2020</a:t>
             </a:fld>
             <a:endParaRPr lang="en-US"/>
           </a:p>

--- a/SubRoutine Diagrams/Time Tracker.pptx
+++ b/SubRoutine Diagrams/Time Tracker.pptx
@@ -5,10 +5,10 @@
     <p:sldMasterId id="2147483648" r:id="rId1"/>
   </p:sldMasterIdLst>
   <p:notesMasterIdLst>
-    <p:notesMasterId r:id="rId9"/>
+    <p:notesMasterId r:id="rId10"/>
   </p:notesMasterIdLst>
   <p:handoutMasterIdLst>
-    <p:handoutMasterId r:id="rId10"/>
+    <p:handoutMasterId r:id="rId11"/>
   </p:handoutMasterIdLst>
   <p:sldIdLst>
     <p:sldId id="265" r:id="rId2"/>
@@ -18,11 +18,12 @@
     <p:sldId id="322" r:id="rId6"/>
     <p:sldId id="268" r:id="rId7"/>
     <p:sldId id="262" r:id="rId8"/>
+    <p:sldId id="323" r:id="rId9"/>
   </p:sldIdLst>
   <p:sldSz cx="12188825" cy="6858000"/>
   <p:notesSz cx="6858000" cy="9144000"/>
   <p:custDataLst>
-    <p:tags r:id="rId11"/>
+    <p:tags r:id="rId12"/>
   </p:custDataLst>
   <p:defaultTextStyle>
     <a:defPPr>
@@ -139,6 +140,203 @@
     </p:ext>
   </p:extLst>
 </p:presentation>
+</file>
+
+<file path=ppt/revisionInfo.xml><?xml version="1.0" encoding="utf-8"?>
+<p1510:revInfo xmlns:a="http://schemas.openxmlformats.org/drawingml/2006/main" xmlns:r="http://schemas.openxmlformats.org/officeDocument/2006/relationships" xmlns:p1510="http://schemas.microsoft.com/office/powerpoint/2015/10/main">
+  <p1510:revLst>
+    <p1510:client id="{83677012-EC74-AA8E-1827-F4EFA91B0F7A}" v="338" dt="2020-05-21T15:37:54.842"/>
+  </p1510:revLst>
+</p1510:revInfo>
+</file>
+
+<file path=ppt/changesInfos/changesInfo1.xml><?xml version="1.0" encoding="utf-8"?>
+<pc:chgInfo xmlns:a="http://schemas.openxmlformats.org/drawingml/2006/main" xmlns:r="http://schemas.openxmlformats.org/officeDocument/2006/relationships" xmlns:ac="http://schemas.microsoft.com/office/drawing/2013/main/command" xmlns:pc="http://schemas.microsoft.com/office/powerpoint/2013/main/command">
+  <pc:docChgLst>
+    <pc:chgData name="Shivam Panda (021300)" userId="S::shivamp@greenwoodhigh.edu.in::c2dbe561-3f69-4b5a-9269-909c2f300a31" providerId="AD" clId="Web-{83677012-EC74-AA8E-1827-F4EFA91B0F7A}"/>
+    <pc:docChg chg="addSld modSld">
+      <pc:chgData name="Shivam Panda (021300)" userId="S::shivamp@greenwoodhigh.edu.in::c2dbe561-3f69-4b5a-9269-909c2f300a31" providerId="AD" clId="Web-{83677012-EC74-AA8E-1827-F4EFA91B0F7A}" dt="2020-05-21T15:37:54.842" v="320"/>
+      <pc:docMkLst>
+        <pc:docMk/>
+      </pc:docMkLst>
+      <pc:sldChg chg="addSp delSp modSp new mod modClrScheme chgLayout">
+        <pc:chgData name="Shivam Panda (021300)" userId="S::shivamp@greenwoodhigh.edu.in::c2dbe561-3f69-4b5a-9269-909c2f300a31" providerId="AD" clId="Web-{83677012-EC74-AA8E-1827-F4EFA91B0F7A}" dt="2020-05-21T15:37:54.842" v="320"/>
+        <pc:sldMkLst>
+          <pc:docMk/>
+          <pc:sldMk cId="4057339796" sldId="323"/>
+        </pc:sldMkLst>
+        <pc:spChg chg="mod ord">
+          <ac:chgData name="Shivam Panda (021300)" userId="S::shivamp@greenwoodhigh.edu.in::c2dbe561-3f69-4b5a-9269-909c2f300a31" providerId="AD" clId="Web-{83677012-EC74-AA8E-1827-F4EFA91B0F7A}" dt="2020-05-21T15:26:56.615" v="94" actId="20577"/>
+          <ac:spMkLst>
+            <pc:docMk/>
+            <pc:sldMk cId="4057339796" sldId="323"/>
+            <ac:spMk id="2" creationId="{7AE03392-8FBC-4C04-9277-71A7B93B094A}"/>
+          </ac:spMkLst>
+        </pc:spChg>
+        <pc:spChg chg="del">
+          <ac:chgData name="Shivam Panda (021300)" userId="S::shivamp@greenwoodhigh.edu.in::c2dbe561-3f69-4b5a-9269-909c2f300a31" providerId="AD" clId="Web-{83677012-EC74-AA8E-1827-F4EFA91B0F7A}" dt="2020-05-21T15:22:44.191" v="1"/>
+          <ac:spMkLst>
+            <pc:docMk/>
+            <pc:sldMk cId="4057339796" sldId="323"/>
+            <ac:spMk id="3" creationId="{DD67D4B2-2751-4DC0-B1BF-BAE1EDCADCF2}"/>
+          </ac:spMkLst>
+        </pc:spChg>
+        <pc:spChg chg="add del mod">
+          <ac:chgData name="Shivam Panda (021300)" userId="S::shivamp@greenwoodhigh.edu.in::c2dbe561-3f69-4b5a-9269-909c2f300a31" providerId="AD" clId="Web-{83677012-EC74-AA8E-1827-F4EFA91B0F7A}" dt="2020-05-21T15:24:44.489" v="87"/>
+          <ac:spMkLst>
+            <pc:docMk/>
+            <pc:sldMk cId="4057339796" sldId="323"/>
+            <ac:spMk id="4" creationId="{379F724C-3ABD-4DE7-8E54-9695C6637C4D}"/>
+          </ac:spMkLst>
+        </pc:spChg>
+        <pc:spChg chg="add del mod">
+          <ac:chgData name="Shivam Panda (021300)" userId="S::shivamp@greenwoodhigh.edu.in::c2dbe561-3f69-4b5a-9269-909c2f300a31" providerId="AD" clId="Web-{83677012-EC74-AA8E-1827-F4EFA91B0F7A}" dt="2020-05-21T15:24:44.489" v="86"/>
+          <ac:spMkLst>
+            <pc:docMk/>
+            <pc:sldMk cId="4057339796" sldId="323"/>
+            <ac:spMk id="5" creationId="{9476216C-B144-4B53-AA23-60DEA4B59018}"/>
+          </ac:spMkLst>
+        </pc:spChg>
+        <pc:spChg chg="add mod">
+          <ac:chgData name="Shivam Panda (021300)" userId="S::shivamp@greenwoodhigh.edu.in::c2dbe561-3f69-4b5a-9269-909c2f300a31" providerId="AD" clId="Web-{83677012-EC74-AA8E-1827-F4EFA91B0F7A}" dt="2020-05-21T15:33:15.869" v="225" actId="1076"/>
+          <ac:spMkLst>
+            <pc:docMk/>
+            <pc:sldMk cId="4057339796" sldId="323"/>
+            <ac:spMk id="7" creationId="{27C7E9A2-A0C5-4076-B35D-049C137BEBC7}"/>
+          </ac:spMkLst>
+        </pc:spChg>
+        <pc:spChg chg="add mod">
+          <ac:chgData name="Shivam Panda (021300)" userId="S::shivamp@greenwoodhigh.edu.in::c2dbe561-3f69-4b5a-9269-909c2f300a31" providerId="AD" clId="Web-{83677012-EC74-AA8E-1827-F4EFA91B0F7A}" dt="2020-05-21T15:33:20.541" v="226" actId="1076"/>
+          <ac:spMkLst>
+            <pc:docMk/>
+            <pc:sldMk cId="4057339796" sldId="323"/>
+            <ac:spMk id="8" creationId="{5BA5D0D0-7945-4581-BE3F-AE575941106B}"/>
+          </ac:spMkLst>
+        </pc:spChg>
+        <pc:spChg chg="add mod">
+          <ac:chgData name="Shivam Panda (021300)" userId="S::shivamp@greenwoodhigh.edu.in::c2dbe561-3f69-4b5a-9269-909c2f300a31" providerId="AD" clId="Web-{83677012-EC74-AA8E-1827-F4EFA91B0F7A}" dt="2020-05-21T15:33:54.447" v="244" actId="1076"/>
+          <ac:spMkLst>
+            <pc:docMk/>
+            <pc:sldMk cId="4057339796" sldId="323"/>
+            <ac:spMk id="9" creationId="{D244FE14-2286-46DF-851A-D5F6167DD441}"/>
+          </ac:spMkLst>
+        </pc:spChg>
+        <pc:spChg chg="add mod">
+          <ac:chgData name="Shivam Panda (021300)" userId="S::shivamp@greenwoodhigh.edu.in::c2dbe561-3f69-4b5a-9269-909c2f300a31" providerId="AD" clId="Web-{83677012-EC74-AA8E-1827-F4EFA91B0F7A}" dt="2020-05-21T15:34:27.885" v="256" actId="1076"/>
+          <ac:spMkLst>
+            <pc:docMk/>
+            <pc:sldMk cId="4057339796" sldId="323"/>
+            <ac:spMk id="10" creationId="{2F416510-866E-4837-AE74-EA92E87154E7}"/>
+          </ac:spMkLst>
+        </pc:spChg>
+        <pc:spChg chg="add mod">
+          <ac:chgData name="Shivam Panda (021300)" userId="S::shivamp@greenwoodhigh.edu.in::c2dbe561-3f69-4b5a-9269-909c2f300a31" providerId="AD" clId="Web-{83677012-EC74-AA8E-1827-F4EFA91B0F7A}" dt="2020-05-21T15:34:31.557" v="257" actId="1076"/>
+          <ac:spMkLst>
+            <pc:docMk/>
+            <pc:sldMk cId="4057339796" sldId="323"/>
+            <ac:spMk id="11" creationId="{F31D1DF4-0A9D-415A-9F6A-EFE0685DE3FE}"/>
+          </ac:spMkLst>
+        </pc:spChg>
+        <pc:spChg chg="add mod">
+          <ac:chgData name="Shivam Panda (021300)" userId="S::shivamp@greenwoodhigh.edu.in::c2dbe561-3f69-4b5a-9269-909c2f300a31" providerId="AD" clId="Web-{83677012-EC74-AA8E-1827-F4EFA91B0F7A}" dt="2020-05-21T15:33:50.494" v="243" actId="1076"/>
+          <ac:spMkLst>
+            <pc:docMk/>
+            <pc:sldMk cId="4057339796" sldId="323"/>
+            <ac:spMk id="12" creationId="{D184B892-D9C4-4C4D-8493-3F6049243A2F}"/>
+          </ac:spMkLst>
+        </pc:spChg>
+        <pc:spChg chg="add mod">
+          <ac:chgData name="Shivam Panda (021300)" userId="S::shivamp@greenwoodhigh.edu.in::c2dbe561-3f69-4b5a-9269-909c2f300a31" providerId="AD" clId="Web-{83677012-EC74-AA8E-1827-F4EFA91B0F7A}" dt="2020-05-21T15:34:23.245" v="255" actId="20577"/>
+          <ac:spMkLst>
+            <pc:docMk/>
+            <pc:sldMk cId="4057339796" sldId="323"/>
+            <ac:spMk id="13" creationId="{73231B67-64AE-410C-878B-C16B8E338B1C}"/>
+          </ac:spMkLst>
+        </pc:spChg>
+        <pc:spChg chg="add mod">
+          <ac:chgData name="Shivam Panda (021300)" userId="S::shivamp@greenwoodhigh.edu.in::c2dbe561-3f69-4b5a-9269-909c2f300a31" providerId="AD" clId="Web-{83677012-EC74-AA8E-1827-F4EFA91B0F7A}" dt="2020-05-21T15:37:47.293" v="319"/>
+          <ac:spMkLst>
+            <pc:docMk/>
+            <pc:sldMk cId="4057339796" sldId="323"/>
+            <ac:spMk id="21" creationId="{733340AD-EBBD-4EA2-BE6F-360DD70C230F}"/>
+          </ac:spMkLst>
+        </pc:spChg>
+        <pc:spChg chg="add mod">
+          <ac:chgData name="Shivam Panda (021300)" userId="S::shivamp@greenwoodhigh.edu.in::c2dbe561-3f69-4b5a-9269-909c2f300a31" providerId="AD" clId="Web-{83677012-EC74-AA8E-1827-F4EFA91B0F7A}" dt="2020-05-21T15:37:54.842" v="320"/>
+          <ac:spMkLst>
+            <pc:docMk/>
+            <pc:sldMk cId="4057339796" sldId="323"/>
+            <ac:spMk id="22" creationId="{E219CE3E-36DC-4A9B-943F-1F9FA40D48E6}"/>
+          </ac:spMkLst>
+        </pc:spChg>
+        <pc:spChg chg="add mod">
+          <ac:chgData name="Shivam Panda (021300)" userId="S::shivamp@greenwoodhigh.edu.in::c2dbe561-3f69-4b5a-9269-909c2f300a31" providerId="AD" clId="Web-{83677012-EC74-AA8E-1827-F4EFA91B0F7A}" dt="2020-05-21T15:37:14.903" v="307" actId="1076"/>
+          <ac:spMkLst>
+            <pc:docMk/>
+            <pc:sldMk cId="4057339796" sldId="323"/>
+            <ac:spMk id="23" creationId="{00FF6D89-20B0-48C2-9B54-20563239A312}"/>
+          </ac:spMkLst>
+        </pc:spChg>
+        <pc:spChg chg="add mod">
+          <ac:chgData name="Shivam Panda (021300)" userId="S::shivamp@greenwoodhigh.edu.in::c2dbe561-3f69-4b5a-9269-909c2f300a31" providerId="AD" clId="Web-{83677012-EC74-AA8E-1827-F4EFA91B0F7A}" dt="2020-05-21T15:37:35.715" v="318" actId="1076"/>
+          <ac:spMkLst>
+            <pc:docMk/>
+            <pc:sldMk cId="4057339796" sldId="323"/>
+            <ac:spMk id="24" creationId="{A6006E90-6058-4189-973A-FA5347AFEA38}"/>
+          </ac:spMkLst>
+        </pc:spChg>
+        <pc:picChg chg="add mod">
+          <ac:chgData name="Shivam Panda (021300)" userId="S::shivamp@greenwoodhigh.edu.in::c2dbe561-3f69-4b5a-9269-909c2f300a31" providerId="AD" clId="Web-{83677012-EC74-AA8E-1827-F4EFA91B0F7A}" dt="2020-05-21T15:34:46.792" v="260" actId="1076"/>
+          <ac:picMkLst>
+            <pc:docMk/>
+            <pc:sldMk cId="4057339796" sldId="323"/>
+            <ac:picMk id="15" creationId="{591FE115-56BC-48D4-A8E7-3652707A9F71}"/>
+          </ac:picMkLst>
+        </pc:picChg>
+        <pc:cxnChg chg="add mod">
+          <ac:chgData name="Shivam Panda (021300)" userId="S::shivamp@greenwoodhigh.edu.in::c2dbe561-3f69-4b5a-9269-909c2f300a31" providerId="AD" clId="Web-{83677012-EC74-AA8E-1827-F4EFA91B0F7A}" dt="2020-05-21T15:35:01.120" v="263" actId="14100"/>
+          <ac:cxnSpMkLst>
+            <pc:docMk/>
+            <pc:sldMk cId="4057339796" sldId="323"/>
+            <ac:cxnSpMk id="16" creationId="{8DCDE357-3280-4889-8874-232A7547E5D6}"/>
+          </ac:cxnSpMkLst>
+        </pc:cxnChg>
+        <pc:cxnChg chg="add del mod">
+          <ac:chgData name="Shivam Panda (021300)" userId="S::shivamp@greenwoodhigh.edu.in::c2dbe561-3f69-4b5a-9269-909c2f300a31" providerId="AD" clId="Web-{83677012-EC74-AA8E-1827-F4EFA91B0F7A}" dt="2020-05-21T15:35:21.964" v="270"/>
+          <ac:cxnSpMkLst>
+            <pc:docMk/>
+            <pc:sldMk cId="4057339796" sldId="323"/>
+            <ac:cxnSpMk id="17" creationId="{EFD8140C-47DA-414A-8BAF-CE4C8C1FBFCA}"/>
+          </ac:cxnSpMkLst>
+        </pc:cxnChg>
+        <pc:cxnChg chg="add mod">
+          <ac:chgData name="Shivam Panda (021300)" userId="S::shivamp@greenwoodhigh.edu.in::c2dbe561-3f69-4b5a-9269-909c2f300a31" providerId="AD" clId="Web-{83677012-EC74-AA8E-1827-F4EFA91B0F7A}" dt="2020-05-21T15:35:38.620" v="273" actId="14100"/>
+          <ac:cxnSpMkLst>
+            <pc:docMk/>
+            <pc:sldMk cId="4057339796" sldId="323"/>
+            <ac:cxnSpMk id="18" creationId="{87436012-9873-4CCF-B0D5-88B35C039C29}"/>
+          </ac:cxnSpMkLst>
+        </pc:cxnChg>
+        <pc:cxnChg chg="add mod">
+          <ac:chgData name="Shivam Panda (021300)" userId="S::shivamp@greenwoodhigh.edu.in::c2dbe561-3f69-4b5a-9269-909c2f300a31" providerId="AD" clId="Web-{83677012-EC74-AA8E-1827-F4EFA91B0F7A}" dt="2020-05-21T15:35:54.292" v="277" actId="14100"/>
+          <ac:cxnSpMkLst>
+            <pc:docMk/>
+            <pc:sldMk cId="4057339796" sldId="323"/>
+            <ac:cxnSpMk id="19" creationId="{E3020D61-53D7-483A-97D4-413D8419134C}"/>
+          </ac:cxnSpMkLst>
+        </pc:cxnChg>
+        <pc:cxnChg chg="add mod">
+          <ac:chgData name="Shivam Panda (021300)" userId="S::shivamp@greenwoodhigh.edu.in::c2dbe561-3f69-4b5a-9269-909c2f300a31" providerId="AD" clId="Web-{83677012-EC74-AA8E-1827-F4EFA91B0F7A}" dt="2020-05-21T15:36:04.589" v="280" actId="14100"/>
+          <ac:cxnSpMkLst>
+            <pc:docMk/>
+            <pc:sldMk cId="4057339796" sldId="323"/>
+            <ac:cxnSpMk id="20" creationId="{0F313673-3DAD-40BF-8D64-DA113FC43F70}"/>
+          </ac:cxnSpMkLst>
+        </pc:cxnChg>
+      </pc:sldChg>
+    </pc:docChg>
+  </pc:docChgLst>
+</pc:chgInfo>
 </file>
 
 <file path=ppt/handoutMasters/handoutMaster1.xml><?xml version="1.0" encoding="utf-8"?>
@@ -6699,6 +6897,815 @@
     <p:extLst>
       <p:ext uri="{BB962C8B-B14F-4D97-AF65-F5344CB8AC3E}">
         <p14:creationId xmlns:p14="http://schemas.microsoft.com/office/powerpoint/2010/main" val="3491355351"/>
+      </p:ext>
+    </p:extLst>
+  </p:cSld>
+  <p:clrMapOvr>
+    <a:masterClrMapping/>
+  </p:clrMapOvr>
+  <mc:AlternateContent xmlns:mc="http://schemas.openxmlformats.org/markup-compatibility/2006" xmlns:p14="http://schemas.microsoft.com/office/powerpoint/2010/main">
+    <mc:Choice Requires="p14">
+      <p:transition spd="med" p14:dur="700">
+        <p:fade/>
+      </p:transition>
+    </mc:Choice>
+    <mc:Fallback xmlns="">
+      <p:transition spd="med">
+        <p:fade/>
+      </p:transition>
+    </mc:Fallback>
+  </mc:AlternateContent>
+</p:sld>
+</file>
+
+<file path=ppt/slides/slide8.xml><?xml version="1.0" encoding="utf-8"?>
+<p:sld xmlns:a="http://schemas.openxmlformats.org/drawingml/2006/main" xmlns:r="http://schemas.openxmlformats.org/officeDocument/2006/relationships" xmlns:p="http://schemas.openxmlformats.org/presentationml/2006/main">
+  <p:cSld>
+    <p:spTree>
+      <p:nvGrpSpPr>
+        <p:cNvPr id="1" name=""/>
+        <p:cNvGrpSpPr/>
+        <p:nvPr/>
+      </p:nvGrpSpPr>
+      <p:grpSpPr>
+        <a:xfrm>
+          <a:off x="0" y="0"/>
+          <a:ext cx="0" cy="0"/>
+          <a:chOff x="0" y="0"/>
+          <a:chExt cx="0" cy="0"/>
+        </a:xfrm>
+      </p:grpSpPr>
+      <p:sp>
+        <p:nvSpPr>
+          <p:cNvPr id="2" name="Title 1">
+            <a:extLst>
+              <a:ext uri="{FF2B5EF4-FFF2-40B4-BE49-F238E27FC236}">
+                <a16:creationId xmlns:a16="http://schemas.microsoft.com/office/drawing/2014/main" id="{7AE03392-8FBC-4C04-9277-71A7B93B094A}"/>
+              </a:ext>
+            </a:extLst>
+          </p:cNvPr>
+          <p:cNvSpPr>
+            <a:spLocks noGrp="1"/>
+          </p:cNvSpPr>
+          <p:nvPr>
+            <p:ph type="title"/>
+          </p:nvPr>
+        </p:nvSpPr>
+        <p:spPr/>
+        <p:txBody>
+          <a:bodyPr/>
+          <a:lstStyle/>
+          <a:p>
+            <a:r>
+              <a:rPr lang="en-US" dirty="0"/>
+              <a:t>S8:Project Status</a:t>
+            </a:r>
+          </a:p>
+        </p:txBody>
+      </p:sp>
+      <p:sp>
+        <p:nvSpPr>
+          <p:cNvPr id="7" name="Rectangle 6">
+            <a:extLst>
+              <a:ext uri="{FF2B5EF4-FFF2-40B4-BE49-F238E27FC236}">
+                <a16:creationId xmlns:a16="http://schemas.microsoft.com/office/drawing/2014/main" id="{27C7E9A2-A0C5-4076-B35D-049C137BEBC7}"/>
+              </a:ext>
+            </a:extLst>
+          </p:cNvPr>
+          <p:cNvSpPr/>
+          <p:nvPr/>
+        </p:nvSpPr>
+        <p:spPr>
+          <a:xfrm>
+            <a:off x="562900" y="1934484"/>
+            <a:ext cx="2556778" cy="932987"/>
+          </a:xfrm>
+          <a:prstGeom prst="rect">
+            <a:avLst/>
+          </a:prstGeom>
+        </p:spPr>
+        <p:style>
+          <a:lnRef idx="2">
+            <a:schemeClr val="accent3">
+              <a:shade val="50000"/>
+            </a:schemeClr>
+          </a:lnRef>
+          <a:fillRef idx="1">
+            <a:schemeClr val="accent3"/>
+          </a:fillRef>
+          <a:effectRef idx="0">
+            <a:schemeClr val="accent3"/>
+          </a:effectRef>
+          <a:fontRef idx="minor">
+            <a:schemeClr val="lt1"/>
+          </a:fontRef>
+        </p:style>
+        <p:txBody>
+          <a:bodyPr rtlCol="0" anchor="ctr"/>
+          <a:lstStyle/>
+          <a:p>
+            <a:pPr algn="ctr"/>
+            <a:r>
+              <a:rPr lang="en-IN" dirty="0"/>
+              <a:t>Calendar based GUI</a:t>
+            </a:r>
+          </a:p>
+        </p:txBody>
+      </p:sp>
+      <p:sp>
+        <p:nvSpPr>
+          <p:cNvPr id="8" name="Oval 7">
+            <a:extLst>
+              <a:ext uri="{FF2B5EF4-FFF2-40B4-BE49-F238E27FC236}">
+                <a16:creationId xmlns:a16="http://schemas.microsoft.com/office/drawing/2014/main" id="{5BA5D0D0-7945-4581-BE3F-AE575941106B}"/>
+              </a:ext>
+            </a:extLst>
+          </p:cNvPr>
+          <p:cNvSpPr/>
+          <p:nvPr/>
+        </p:nvSpPr>
+        <p:spPr>
+          <a:xfrm>
+            <a:off x="907080" y="3906981"/>
+            <a:ext cx="2304171" cy="736810"/>
+          </a:xfrm>
+          <a:prstGeom prst="ellipse">
+            <a:avLst/>
+          </a:prstGeom>
+        </p:spPr>
+        <p:style>
+          <a:lnRef idx="2">
+            <a:schemeClr val="accent1">
+              <a:shade val="50000"/>
+            </a:schemeClr>
+          </a:lnRef>
+          <a:fillRef idx="1">
+            <a:schemeClr val="accent1"/>
+          </a:fillRef>
+          <a:effectRef idx="0">
+            <a:schemeClr val="accent1"/>
+          </a:effectRef>
+          <a:fontRef idx="minor">
+            <a:schemeClr val="lt1"/>
+          </a:fontRef>
+        </p:style>
+        <p:txBody>
+          <a:bodyPr rtlCol="0" anchor="ctr"/>
+          <a:lstStyle/>
+          <a:p>
+            <a:pPr algn="ctr"/>
+            <a:r>
+              <a:rPr lang="en-US" dirty="0"/>
+              <a:t>Read</a:t>
+            </a:r>
+            <a:r>
+              <a:rPr lang="en-US" b="1" dirty="0"/>
+              <a:t> </a:t>
+            </a:r>
+            <a:r>
+              <a:rPr lang="en-US" dirty="0"/>
+              <a:t>all</a:t>
+            </a:r>
+            <a:r>
+              <a:rPr lang="en-US" b="1" dirty="0"/>
+              <a:t> </a:t>
+            </a:r>
+            <a:r>
+              <a:rPr lang="en-US" dirty="0"/>
+              <a:t>Assignments</a:t>
+            </a:r>
+          </a:p>
+        </p:txBody>
+      </p:sp>
+      <p:sp>
+        <p:nvSpPr>
+          <p:cNvPr id="9" name="Oval 8">
+            <a:extLst>
+              <a:ext uri="{FF2B5EF4-FFF2-40B4-BE49-F238E27FC236}">
+                <a16:creationId xmlns:a16="http://schemas.microsoft.com/office/drawing/2014/main" id="{D244FE14-2286-46DF-851A-D5F6167DD441}"/>
+              </a:ext>
+            </a:extLst>
+          </p:cNvPr>
+          <p:cNvSpPr/>
+          <p:nvPr/>
+        </p:nvSpPr>
+        <p:spPr>
+          <a:xfrm>
+            <a:off x="4270253" y="3736947"/>
+            <a:ext cx="2464674" cy="963520"/>
+          </a:xfrm>
+          <a:prstGeom prst="ellipse">
+            <a:avLst/>
+          </a:prstGeom>
+        </p:spPr>
+        <p:style>
+          <a:lnRef idx="2">
+            <a:schemeClr val="accent1">
+              <a:shade val="50000"/>
+            </a:schemeClr>
+          </a:lnRef>
+          <a:fillRef idx="1">
+            <a:schemeClr val="accent1"/>
+          </a:fillRef>
+          <a:effectRef idx="0">
+            <a:schemeClr val="accent1"/>
+          </a:effectRef>
+          <a:fontRef idx="minor">
+            <a:schemeClr val="lt1"/>
+          </a:fontRef>
+        </p:style>
+        <p:txBody>
+          <a:bodyPr rtlCol="0" anchor="ctr"/>
+          <a:lstStyle/>
+          <a:p>
+            <a:pPr algn="ctr"/>
+            <a:r>
+              <a:rPr lang="en-US" dirty="0"/>
+              <a:t>Options to display as Public/Private</a:t>
+            </a:r>
+          </a:p>
+        </p:txBody>
+      </p:sp>
+      <p:sp>
+        <p:nvSpPr>
+          <p:cNvPr id="10" name="Oval 9">
+            <a:extLst>
+              <a:ext uri="{FF2B5EF4-FFF2-40B4-BE49-F238E27FC236}">
+                <a16:creationId xmlns:a16="http://schemas.microsoft.com/office/drawing/2014/main" id="{2F416510-866E-4837-AE74-EA92E87154E7}"/>
+              </a:ext>
+            </a:extLst>
+          </p:cNvPr>
+          <p:cNvSpPr/>
+          <p:nvPr/>
+        </p:nvSpPr>
+        <p:spPr>
+          <a:xfrm>
+            <a:off x="7006213" y="1205346"/>
+            <a:ext cx="2549647" cy="1313032"/>
+          </a:xfrm>
+          <a:prstGeom prst="ellipse">
+            <a:avLst/>
+          </a:prstGeom>
+        </p:spPr>
+        <p:style>
+          <a:lnRef idx="2">
+            <a:schemeClr val="accent1">
+              <a:shade val="50000"/>
+            </a:schemeClr>
+          </a:lnRef>
+          <a:fillRef idx="1">
+            <a:schemeClr val="accent1"/>
+          </a:fillRef>
+          <a:effectRef idx="0">
+            <a:schemeClr val="accent1"/>
+          </a:effectRef>
+          <a:fontRef idx="minor">
+            <a:schemeClr val="lt1"/>
+          </a:fontRef>
+        </p:style>
+        <p:txBody>
+          <a:bodyPr rtlCol="0" anchor="ctr"/>
+          <a:lstStyle/>
+          <a:p>
+            <a:pPr algn="ctr"/>
+            <a:r>
+              <a:rPr lang="en-US" dirty="0"/>
+              <a:t>Status Variable set to LLU's under Respective HLU</a:t>
+            </a:r>
+          </a:p>
+        </p:txBody>
+      </p:sp>
+      <p:sp>
+        <p:nvSpPr>
+          <p:cNvPr id="11" name="Oval 10">
+            <a:extLst>
+              <a:ext uri="{FF2B5EF4-FFF2-40B4-BE49-F238E27FC236}">
+                <a16:creationId xmlns:a16="http://schemas.microsoft.com/office/drawing/2014/main" id="{F31D1DF4-0A9D-415A-9F6A-EFE0685DE3FE}"/>
+              </a:ext>
+            </a:extLst>
+          </p:cNvPr>
+          <p:cNvSpPr/>
+          <p:nvPr/>
+        </p:nvSpPr>
+        <p:spPr>
+          <a:xfrm>
+            <a:off x="7451212" y="5372336"/>
+            <a:ext cx="2105903" cy="1237462"/>
+          </a:xfrm>
+          <a:prstGeom prst="ellipse">
+            <a:avLst/>
+          </a:prstGeom>
+        </p:spPr>
+        <p:style>
+          <a:lnRef idx="2">
+            <a:schemeClr val="accent1">
+              <a:shade val="50000"/>
+            </a:schemeClr>
+          </a:lnRef>
+          <a:fillRef idx="1">
+            <a:schemeClr val="accent1"/>
+          </a:fillRef>
+          <a:effectRef idx="0">
+            <a:schemeClr val="accent1"/>
+          </a:effectRef>
+          <a:fontRef idx="minor">
+            <a:schemeClr val="lt1"/>
+          </a:fontRef>
+        </p:style>
+        <p:txBody>
+          <a:bodyPr rtlCol="0" anchor="ctr"/>
+          <a:lstStyle/>
+          <a:p>
+            <a:pPr algn="ctr"/>
+            <a:r>
+              <a:rPr lang="en-US" dirty="0"/>
+              <a:t>Status variable set to send to HLU only</a:t>
+            </a:r>
+          </a:p>
+        </p:txBody>
+      </p:sp>
+      <p:sp>
+        <p:nvSpPr>
+          <p:cNvPr id="12" name="Rectangle 11">
+            <a:extLst>
+              <a:ext uri="{FF2B5EF4-FFF2-40B4-BE49-F238E27FC236}">
+                <a16:creationId xmlns:a16="http://schemas.microsoft.com/office/drawing/2014/main" id="{D184B892-D9C4-4C4D-8493-3F6049243A2F}"/>
+              </a:ext>
+            </a:extLst>
+          </p:cNvPr>
+          <p:cNvSpPr/>
+          <p:nvPr/>
+        </p:nvSpPr>
+        <p:spPr>
+          <a:xfrm>
+            <a:off x="903155" y="4541658"/>
+            <a:ext cx="2311303" cy="517351"/>
+          </a:xfrm>
+          <a:prstGeom prst="rect">
+            <a:avLst/>
+          </a:prstGeom>
+        </p:spPr>
+        <p:style>
+          <a:lnRef idx="2">
+            <a:schemeClr val="accent3">
+              <a:shade val="50000"/>
+            </a:schemeClr>
+          </a:lnRef>
+          <a:fillRef idx="1">
+            <a:schemeClr val="accent3"/>
+          </a:fillRef>
+          <a:effectRef idx="0">
+            <a:schemeClr val="accent3"/>
+          </a:effectRef>
+          <a:fontRef idx="minor">
+            <a:schemeClr val="lt1"/>
+          </a:fontRef>
+        </p:style>
+        <p:txBody>
+          <a:bodyPr rtlCol="0" anchor="ctr"/>
+          <a:lstStyle/>
+          <a:p>
+            <a:pPr algn="ctr"/>
+            <a:r>
+              <a:rPr lang="en-IN" dirty="0"/>
+              <a:t>Dropdown List GUI</a:t>
+            </a:r>
+            <a:endParaRPr lang="en-US" dirty="0"/>
+          </a:p>
+        </p:txBody>
+      </p:sp>
+      <p:sp>
+        <p:nvSpPr>
+          <p:cNvPr id="13" name="Rectangle 12">
+            <a:extLst>
+              <a:ext uri="{FF2B5EF4-FFF2-40B4-BE49-F238E27FC236}">
+                <a16:creationId xmlns:a16="http://schemas.microsoft.com/office/drawing/2014/main" id="{73231B67-64AE-410C-878B-C16B8E338B1C}"/>
+              </a:ext>
+            </a:extLst>
+          </p:cNvPr>
+          <p:cNvSpPr/>
+          <p:nvPr/>
+        </p:nvSpPr>
+        <p:spPr>
+          <a:xfrm>
+            <a:off x="4311567" y="4645566"/>
+            <a:ext cx="2481247" cy="460673"/>
+          </a:xfrm>
+          <a:prstGeom prst="rect">
+            <a:avLst/>
+          </a:prstGeom>
+        </p:spPr>
+        <p:style>
+          <a:lnRef idx="2">
+            <a:schemeClr val="accent3">
+              <a:shade val="50000"/>
+            </a:schemeClr>
+          </a:lnRef>
+          <a:fillRef idx="1">
+            <a:schemeClr val="accent3"/>
+          </a:fillRef>
+          <a:effectRef idx="0">
+            <a:schemeClr val="accent3"/>
+          </a:effectRef>
+          <a:fontRef idx="minor">
+            <a:schemeClr val="lt1"/>
+          </a:fontRef>
+        </p:style>
+        <p:txBody>
+          <a:bodyPr rtlCol="0" anchor="ctr"/>
+          <a:lstStyle/>
+          <a:p>
+            <a:pPr algn="ctr"/>
+            <a:r>
+              <a:rPr lang="en-IN" dirty="0" err="1"/>
+              <a:t>CheckBox</a:t>
+            </a:r>
+            <a:r>
+              <a:rPr lang="en-IN" dirty="0"/>
+              <a:t> GUI</a:t>
+            </a:r>
+            <a:endParaRPr lang="en-US" dirty="0"/>
+          </a:p>
+        </p:txBody>
+      </p:sp>
+      <p:pic>
+        <p:nvPicPr>
+          <p:cNvPr id="15" name="Picture 14" descr="A picture containing drawing&#10;&#10;Description generated with very high confidence">
+            <a:extLst>
+              <a:ext uri="{FF2B5EF4-FFF2-40B4-BE49-F238E27FC236}">
+                <a16:creationId xmlns:a16="http://schemas.microsoft.com/office/drawing/2014/main" id="{591FE115-56BC-48D4-A8E7-3652707A9F71}"/>
+              </a:ext>
+            </a:extLst>
+          </p:cNvPr>
+          <p:cNvPicPr>
+            <a:picLocks noChangeAspect="1"/>
+          </p:cNvPicPr>
+          <p:nvPr/>
+        </p:nvPicPr>
+        <p:blipFill>
+          <a:blip r:embed="rId2"/>
+          <a:stretch>
+            <a:fillRect/>
+          </a:stretch>
+        </p:blipFill>
+        <p:spPr>
+          <a:xfrm>
+            <a:off x="10078054" y="2627635"/>
+            <a:ext cx="1795675" cy="2887349"/>
+          </a:xfrm>
+          <a:prstGeom prst="rect">
+            <a:avLst/>
+          </a:prstGeom>
+        </p:spPr>
+      </p:pic>
+      <p:cxnSp>
+        <p:nvCxnSpPr>
+          <p:cNvPr id="16" name="Straight Arrow Connector 15">
+            <a:extLst>
+              <a:ext uri="{FF2B5EF4-FFF2-40B4-BE49-F238E27FC236}">
+                <a16:creationId xmlns:a16="http://schemas.microsoft.com/office/drawing/2014/main" id="{8DCDE357-3280-4889-8874-232A7547E5D6}"/>
+              </a:ext>
+            </a:extLst>
+          </p:cNvPr>
+          <p:cNvCxnSpPr/>
+          <p:nvPr/>
+        </p:nvCxnSpPr>
+        <p:spPr>
+          <a:xfrm>
+            <a:off x="1879541" y="2886784"/>
+            <a:ext cx="140208" cy="1074986"/>
+          </a:xfrm>
+          <a:prstGeom prst="straightConnector1">
+            <a:avLst/>
+          </a:prstGeom>
+          <a:ln>
+            <a:tailEnd type="triangle"/>
+          </a:ln>
+        </p:spPr>
+        <p:style>
+          <a:lnRef idx="1">
+            <a:schemeClr val="accent1"/>
+          </a:lnRef>
+          <a:fillRef idx="0">
+            <a:schemeClr val="accent1"/>
+          </a:fillRef>
+          <a:effectRef idx="0">
+            <a:schemeClr val="accent1"/>
+          </a:effectRef>
+          <a:fontRef idx="minor">
+            <a:schemeClr val="tx1"/>
+          </a:fontRef>
+        </p:style>
+      </p:cxnSp>
+      <p:cxnSp>
+        <p:nvCxnSpPr>
+          <p:cNvPr id="18" name="Straight Arrow Connector 17">
+            <a:extLst>
+              <a:ext uri="{FF2B5EF4-FFF2-40B4-BE49-F238E27FC236}">
+                <a16:creationId xmlns:a16="http://schemas.microsoft.com/office/drawing/2014/main" id="{87436012-9873-4CCF-B0D5-88B35C039C29}"/>
+              </a:ext>
+            </a:extLst>
+          </p:cNvPr>
+          <p:cNvCxnSpPr/>
+          <p:nvPr/>
+        </p:nvCxnSpPr>
+        <p:spPr>
+          <a:xfrm>
+            <a:off x="3202590" y="4267121"/>
+            <a:ext cx="1065462" cy="7558"/>
+          </a:xfrm>
+          <a:prstGeom prst="straightConnector1">
+            <a:avLst/>
+          </a:prstGeom>
+          <a:ln>
+            <a:tailEnd type="triangle"/>
+          </a:ln>
+        </p:spPr>
+        <p:style>
+          <a:lnRef idx="1">
+            <a:schemeClr val="accent1"/>
+          </a:lnRef>
+          <a:fillRef idx="0">
+            <a:schemeClr val="accent1"/>
+          </a:fillRef>
+          <a:effectRef idx="0">
+            <a:schemeClr val="accent1"/>
+          </a:effectRef>
+          <a:fontRef idx="minor">
+            <a:schemeClr val="tx1"/>
+          </a:fontRef>
+        </p:style>
+      </p:cxnSp>
+      <p:cxnSp>
+        <p:nvCxnSpPr>
+          <p:cNvPr id="19" name="Straight Arrow Connector 18">
+            <a:extLst>
+              <a:ext uri="{FF2B5EF4-FFF2-40B4-BE49-F238E27FC236}">
+                <a16:creationId xmlns:a16="http://schemas.microsoft.com/office/drawing/2014/main" id="{E3020D61-53D7-483A-97D4-413D8419134C}"/>
+              </a:ext>
+            </a:extLst>
+          </p:cNvPr>
+          <p:cNvCxnSpPr>
+            <a:cxnSpLocks/>
+          </p:cNvCxnSpPr>
+          <p:nvPr/>
+        </p:nvCxnSpPr>
+        <p:spPr>
+          <a:xfrm flipV="1">
+            <a:off x="9558375" y="4218001"/>
+            <a:ext cx="470655" cy="1825020"/>
+          </a:xfrm>
+          <a:prstGeom prst="straightConnector1">
+            <a:avLst/>
+          </a:prstGeom>
+          <a:ln>
+            <a:tailEnd type="triangle"/>
+          </a:ln>
+        </p:spPr>
+        <p:style>
+          <a:lnRef idx="1">
+            <a:schemeClr val="accent1"/>
+          </a:lnRef>
+          <a:fillRef idx="0">
+            <a:schemeClr val="accent1"/>
+          </a:fillRef>
+          <a:effectRef idx="0">
+            <a:schemeClr val="accent1"/>
+          </a:effectRef>
+          <a:fontRef idx="minor">
+            <a:schemeClr val="tx1"/>
+          </a:fontRef>
+        </p:style>
+      </p:cxnSp>
+      <p:cxnSp>
+        <p:nvCxnSpPr>
+          <p:cNvPr id="20" name="Straight Arrow Connector 19">
+            <a:extLst>
+              <a:ext uri="{FF2B5EF4-FFF2-40B4-BE49-F238E27FC236}">
+                <a16:creationId xmlns:a16="http://schemas.microsoft.com/office/drawing/2014/main" id="{0F313673-3DAD-40BF-8D64-DA113FC43F70}"/>
+              </a:ext>
+            </a:extLst>
+          </p:cNvPr>
+          <p:cNvCxnSpPr>
+            <a:cxnSpLocks/>
+          </p:cNvCxnSpPr>
+          <p:nvPr/>
+        </p:nvCxnSpPr>
+        <p:spPr>
+          <a:xfrm>
+            <a:off x="9558448" y="1867765"/>
+            <a:ext cx="470655" cy="2293558"/>
+          </a:xfrm>
+          <a:prstGeom prst="straightConnector1">
+            <a:avLst/>
+          </a:prstGeom>
+          <a:ln>
+            <a:tailEnd type="triangle"/>
+          </a:ln>
+        </p:spPr>
+        <p:style>
+          <a:lnRef idx="1">
+            <a:schemeClr val="accent1"/>
+          </a:lnRef>
+          <a:fillRef idx="0">
+            <a:schemeClr val="accent1"/>
+          </a:fillRef>
+          <a:effectRef idx="0">
+            <a:schemeClr val="accent1"/>
+          </a:effectRef>
+          <a:fontRef idx="minor">
+            <a:schemeClr val="tx1"/>
+          </a:fontRef>
+        </p:style>
+      </p:cxnSp>
+      <p:sp>
+        <p:nvSpPr>
+          <p:cNvPr id="21" name="Arrow: Bent 20">
+            <a:extLst>
+              <a:ext uri="{FF2B5EF4-FFF2-40B4-BE49-F238E27FC236}">
+                <a16:creationId xmlns:a16="http://schemas.microsoft.com/office/drawing/2014/main" id="{733340AD-EBBD-4EA2-BE6F-360DD70C230F}"/>
+              </a:ext>
+            </a:extLst>
+          </p:cNvPr>
+          <p:cNvSpPr/>
+          <p:nvPr/>
+        </p:nvSpPr>
+        <p:spPr>
+          <a:xfrm>
+            <a:off x="5284033" y="1428939"/>
+            <a:ext cx="1539366" cy="2238767"/>
+          </a:xfrm>
+          <a:prstGeom prst="bentArrow">
+            <a:avLst/>
+          </a:prstGeom>
+          <a:solidFill>
+            <a:schemeClr val="accent5"/>
+          </a:solidFill>
+        </p:spPr>
+        <p:style>
+          <a:lnRef idx="2">
+            <a:schemeClr val="accent1">
+              <a:shade val="50000"/>
+            </a:schemeClr>
+          </a:lnRef>
+          <a:fillRef idx="1">
+            <a:schemeClr val="accent1"/>
+          </a:fillRef>
+          <a:effectRef idx="0">
+            <a:schemeClr val="accent1"/>
+          </a:effectRef>
+          <a:fontRef idx="minor">
+            <a:schemeClr val="lt1"/>
+          </a:fontRef>
+        </p:style>
+        <p:txBody>
+          <a:bodyPr rtlCol="0" anchor="ctr"/>
+          <a:lstStyle/>
+          <a:p>
+            <a:pPr algn="ctr"/>
+            <a:endParaRPr lang="en-US">
+              <a:solidFill>
+                <a:schemeClr val="tx1"/>
+              </a:solidFill>
+            </a:endParaRPr>
+          </a:p>
+        </p:txBody>
+      </p:sp>
+      <p:sp>
+        <p:nvSpPr>
+          <p:cNvPr id="22" name="Arrow: Bent 21">
+            <a:extLst>
+              <a:ext uri="{FF2B5EF4-FFF2-40B4-BE49-F238E27FC236}">
+                <a16:creationId xmlns:a16="http://schemas.microsoft.com/office/drawing/2014/main" id="{E219CE3E-36DC-4A9B-943F-1F9FA40D48E6}"/>
+              </a:ext>
+            </a:extLst>
+          </p:cNvPr>
+          <p:cNvSpPr/>
+          <p:nvPr/>
+        </p:nvSpPr>
+        <p:spPr>
+          <a:xfrm flipV="1">
+            <a:off x="5352937" y="5283020"/>
+            <a:ext cx="1945345" cy="1237464"/>
+          </a:xfrm>
+          <a:prstGeom prst="bentArrow">
+            <a:avLst/>
+          </a:prstGeom>
+          <a:solidFill>
+            <a:schemeClr val="accent5"/>
+          </a:solidFill>
+        </p:spPr>
+        <p:style>
+          <a:lnRef idx="2">
+            <a:schemeClr val="accent1">
+              <a:shade val="50000"/>
+            </a:schemeClr>
+          </a:lnRef>
+          <a:fillRef idx="1">
+            <a:schemeClr val="accent1"/>
+          </a:fillRef>
+          <a:effectRef idx="0">
+            <a:schemeClr val="accent1"/>
+          </a:effectRef>
+          <a:fontRef idx="minor">
+            <a:schemeClr val="lt1"/>
+          </a:fontRef>
+        </p:style>
+        <p:txBody>
+          <a:bodyPr rtlCol="0" anchor="ctr"/>
+          <a:lstStyle/>
+          <a:p>
+            <a:pPr algn="ctr"/>
+            <a:endParaRPr lang="en-US">
+              <a:solidFill>
+                <a:schemeClr val="tx1"/>
+              </a:solidFill>
+            </a:endParaRPr>
+          </a:p>
+        </p:txBody>
+      </p:sp>
+      <p:sp>
+        <p:nvSpPr>
+          <p:cNvPr id="23" name="TextBox 22">
+            <a:extLst>
+              <a:ext uri="{FF2B5EF4-FFF2-40B4-BE49-F238E27FC236}">
+                <a16:creationId xmlns:a16="http://schemas.microsoft.com/office/drawing/2014/main" id="{00FF6D89-20B0-48C2-9B54-20563239A312}"/>
+              </a:ext>
+            </a:extLst>
+          </p:cNvPr>
+          <p:cNvSpPr txBox="1"/>
+          <p:nvPr/>
+        </p:nvSpPr>
+        <p:spPr>
+          <a:xfrm>
+            <a:off x="5547975" y="1248562"/>
+            <a:ext cx="883248" cy="369332"/>
+          </a:xfrm>
+          <a:prstGeom prst="rect">
+            <a:avLst/>
+          </a:prstGeom>
+          <a:noFill/>
+        </p:spPr>
+        <p:txBody>
+          <a:bodyPr rot="0" spcFirstLastPara="0" vertOverflow="overflow" horzOverflow="overflow" vert="horz" wrap="square" lIns="91440" tIns="45720" rIns="91440" bIns="45720" numCol="1" spcCol="0" rtlCol="0" fromWordArt="0" anchor="t" anchorCtr="0" forceAA="0" compatLnSpc="1">
+            <a:prstTxWarp prst="textNoShape">
+              <a:avLst/>
+            </a:prstTxWarp>
+            <a:spAutoFit/>
+          </a:bodyPr>
+          <a:lstStyle/>
+          <a:p>
+            <a:pPr algn="l"/>
+            <a:r>
+              <a:rPr lang="en-US" dirty="0"/>
+              <a:t>Public</a:t>
+            </a:r>
+          </a:p>
+        </p:txBody>
+      </p:sp>
+      <p:sp>
+        <p:nvSpPr>
+          <p:cNvPr id="24" name="TextBox 23">
+            <a:extLst>
+              <a:ext uri="{FF2B5EF4-FFF2-40B4-BE49-F238E27FC236}">
+                <a16:creationId xmlns:a16="http://schemas.microsoft.com/office/drawing/2014/main" id="{A6006E90-6058-4189-973A-FA5347AFEA38}"/>
+              </a:ext>
+            </a:extLst>
+          </p:cNvPr>
+          <p:cNvSpPr txBox="1"/>
+          <p:nvPr/>
+        </p:nvSpPr>
+        <p:spPr>
+          <a:xfrm>
+            <a:off x="5909699" y="6340107"/>
+            <a:ext cx="883248" cy="369332"/>
+          </a:xfrm>
+          <a:prstGeom prst="rect">
+            <a:avLst/>
+          </a:prstGeom>
+          <a:noFill/>
+        </p:spPr>
+        <p:txBody>
+          <a:bodyPr rot="0" spcFirstLastPara="0" vertOverflow="overflow" horzOverflow="overflow" vert="horz" wrap="square" lIns="91440" tIns="45720" rIns="91440" bIns="45720" numCol="1" spcCol="0" rtlCol="0" fromWordArt="0" anchor="t" anchorCtr="0" forceAA="0" compatLnSpc="1">
+            <a:prstTxWarp prst="textNoShape">
+              <a:avLst/>
+            </a:prstTxWarp>
+            <a:spAutoFit/>
+          </a:bodyPr>
+          <a:lstStyle/>
+          <a:p>
+            <a:pPr algn="l"/>
+            <a:r>
+              <a:rPr lang="en-US" dirty="0"/>
+              <a:t>Private</a:t>
+            </a:r>
+          </a:p>
+        </p:txBody>
+      </p:sp>
+    </p:spTree>
+    <p:extLst>
+      <p:ext uri="{BB962C8B-B14F-4D97-AF65-F5344CB8AC3E}">
+        <p14:creationId xmlns:p14="http://schemas.microsoft.com/office/powerpoint/2010/main" val="4057339796"/>
       </p:ext>
     </p:extLst>
   </p:cSld>
